--- a/PUC - Análise de Sistemas Módulo III/Gerência de Configuração de Software/Tarefas/Boas Práticas de Segurança Git e GitHub.pptx
+++ b/PUC - Análise de Sistemas Módulo III/Gerência de Configuração de Software/Tarefas/Boas Práticas de Segurança Git e GitHub.pptx
@@ -36,32 +36,33 @@
     <p:sldId id="281" r:id="rId31"/>
     <p:sldId id="282" r:id="rId32"/>
     <p:sldId id="283" r:id="rId33"/>
+    <p:sldId id="284" r:id="rId34"/>
   </p:sldIdLst>
   <p:sldSz cy="5143500" cx="9144000"/>
   <p:notesSz cx="6858000" cy="9144000"/>
   <p:embeddedFontLst>
     <p:embeddedFont>
       <p:font typeface="Nunito"/>
-      <p:regular r:id="rId34"/>
-      <p:bold r:id="rId35"/>
-      <p:italic r:id="rId36"/>
-      <p:boldItalic r:id="rId37"/>
+      <p:regular r:id="rId35"/>
+      <p:bold r:id="rId36"/>
+      <p:italic r:id="rId37"/>
+      <p:boldItalic r:id="rId38"/>
     </p:embeddedFont>
     <p:embeddedFont>
       <p:font typeface="Lato"/>
-      <p:regular r:id="rId38"/>
-      <p:bold r:id="rId39"/>
-      <p:italic r:id="rId40"/>
-      <p:boldItalic r:id="rId41"/>
+      <p:regular r:id="rId39"/>
+      <p:bold r:id="rId40"/>
+      <p:italic r:id="rId41"/>
+      <p:boldItalic r:id="rId42"/>
     </p:embeddedFont>
     <p:embeddedFont>
       <p:font typeface="Maven Pro"/>
-      <p:regular r:id="rId42"/>
-      <p:bold r:id="rId43"/>
+      <p:regular r:id="rId43"/>
+      <p:bold r:id="rId44"/>
     </p:embeddedFont>
     <p:embeddedFont>
       <p:font typeface="Maven Pro Regular"/>
-      <p:bold r:id="rId44"/>
+      <p:bold r:id="rId45"/>
     </p:embeddedFont>
   </p:embeddedFontLst>
   <p:defaultTextStyle>
@@ -2431,7 +2432,7 @@
   <p:cSld>
     <p:spTree>
       <p:nvGrpSpPr>
-        <p:cNvPr id="531" name="Shape 531"/>
+        <p:cNvPr id="529" name="Shape 529"/>
         <p:cNvGrpSpPr/>
         <p:nvPr/>
       </p:nvGrpSpPr>
@@ -2445,7 +2446,7 @@
       </p:grpSpPr>
       <p:sp>
         <p:nvSpPr>
-          <p:cNvPr id="532" name="Google Shape;532;g9b60c027b1_0_435:notes"/>
+          <p:cNvPr id="530" name="Google Shape;530;g9b60c027b1_0_435:notes"/>
           <p:cNvSpPr/>
           <p:nvPr>
             <p:ph idx="2" type="sldImg"/>
@@ -2480,7 +2481,7 @@
       </p:sp>
       <p:sp>
         <p:nvSpPr>
-          <p:cNvPr id="533" name="Google Shape;533;g9b60c027b1_0_435:notes"/>
+          <p:cNvPr id="531" name="Google Shape;531;g9b60c027b1_0_435:notes"/>
           <p:cNvSpPr txBox="1"/>
           <p:nvPr>
             <p:ph idx="1" type="body"/>
@@ -2531,7 +2532,7 @@
   <p:cSld>
     <p:spTree>
       <p:nvGrpSpPr>
-        <p:cNvPr id="544" name="Shape 544"/>
+        <p:cNvPr id="542" name="Shape 542"/>
         <p:cNvGrpSpPr/>
         <p:nvPr/>
       </p:nvGrpSpPr>
@@ -2545,7 +2546,7 @@
       </p:grpSpPr>
       <p:sp>
         <p:nvSpPr>
-          <p:cNvPr id="545" name="Google Shape;545;g9b97529e1b_0_7:notes"/>
+          <p:cNvPr id="543" name="Google Shape;543;g9b97529e1b_0_7:notes"/>
           <p:cNvSpPr/>
           <p:nvPr>
             <p:ph idx="2" type="sldImg"/>
@@ -2580,7 +2581,7 @@
       </p:sp>
       <p:sp>
         <p:nvSpPr>
-          <p:cNvPr id="546" name="Google Shape;546;g9b97529e1b_0_7:notes"/>
+          <p:cNvPr id="544" name="Google Shape;544;g9b97529e1b_0_7:notes"/>
           <p:cNvSpPr txBox="1"/>
           <p:nvPr>
             <p:ph idx="1" type="body"/>
@@ -2631,7 +2632,7 @@
   <p:cSld>
     <p:spTree>
       <p:nvGrpSpPr>
-        <p:cNvPr id="554" name="Shape 554"/>
+        <p:cNvPr id="553" name="Shape 553"/>
         <p:cNvGrpSpPr/>
         <p:nvPr/>
       </p:nvGrpSpPr>
@@ -2645,7 +2646,7 @@
       </p:grpSpPr>
       <p:sp>
         <p:nvSpPr>
-          <p:cNvPr id="555" name="Google Shape;555;g9b97529e1b_0_68:notes"/>
+          <p:cNvPr id="554" name="Google Shape;554;g9b97529e1b_0_68:notes"/>
           <p:cNvSpPr/>
           <p:nvPr>
             <p:ph idx="2" type="sldImg"/>
@@ -2680,7 +2681,7 @@
       </p:sp>
       <p:sp>
         <p:nvSpPr>
-          <p:cNvPr id="556" name="Google Shape;556;g9b97529e1b_0_68:notes"/>
+          <p:cNvPr id="555" name="Google Shape;555;g9b97529e1b_0_68:notes"/>
           <p:cNvSpPr txBox="1"/>
           <p:nvPr>
             <p:ph idx="1" type="body"/>
@@ -2731,7 +2732,7 @@
   <p:cSld>
     <p:spTree>
       <p:nvGrpSpPr>
-        <p:cNvPr id="567" name="Shape 567"/>
+        <p:cNvPr id="566" name="Shape 566"/>
         <p:cNvGrpSpPr/>
         <p:nvPr/>
       </p:nvGrpSpPr>
@@ -2745,7 +2746,7 @@
       </p:grpSpPr>
       <p:sp>
         <p:nvSpPr>
-          <p:cNvPr id="568" name="Google Shape;568;g9b97529e1b_0_83:notes"/>
+          <p:cNvPr id="567" name="Google Shape;567;g9b97529e1b_0_83:notes"/>
           <p:cNvSpPr/>
           <p:nvPr>
             <p:ph idx="2" type="sldImg"/>
@@ -2780,7 +2781,7 @@
       </p:sp>
       <p:sp>
         <p:nvSpPr>
-          <p:cNvPr id="569" name="Google Shape;569;g9b97529e1b_0_83:notes"/>
+          <p:cNvPr id="568" name="Google Shape;568;g9b97529e1b_0_83:notes"/>
           <p:cNvSpPr txBox="1"/>
           <p:nvPr>
             <p:ph idx="1" type="body"/>
@@ -2831,7 +2832,7 @@
   <p:cSld>
     <p:spTree>
       <p:nvGrpSpPr>
-        <p:cNvPr id="578" name="Shape 578"/>
+        <p:cNvPr id="577" name="Shape 577"/>
         <p:cNvGrpSpPr/>
         <p:nvPr/>
       </p:nvGrpSpPr>
@@ -2845,7 +2846,7 @@
       </p:grpSpPr>
       <p:sp>
         <p:nvSpPr>
-          <p:cNvPr id="579" name="Google Shape;579;g9b37fc4154_2_6:notes"/>
+          <p:cNvPr id="578" name="Google Shape;578;ga18fedfa34_0_0:notes"/>
           <p:cNvSpPr/>
           <p:nvPr>
             <p:ph idx="2" type="sldImg"/>
@@ -2880,7 +2881,107 @@
       </p:sp>
       <p:sp>
         <p:nvSpPr>
-          <p:cNvPr id="580" name="Google Shape;580;g9b37fc4154_2_6:notes"/>
+          <p:cNvPr id="579" name="Google Shape;579;ga18fedfa34_0_0:notes"/>
+          <p:cNvSpPr txBox="1"/>
+          <p:nvPr>
+            <p:ph idx="1" type="body"/>
+          </p:nvPr>
+        </p:nvSpPr>
+        <p:spPr>
+          <a:xfrm>
+            <a:off x="685800" y="4343400"/>
+            <a:ext cx="5486400" cy="4114800"/>
+          </a:xfrm>
+          <a:prstGeom prst="rect">
+            <a:avLst/>
+          </a:prstGeom>
+        </p:spPr>
+        <p:txBody>
+          <a:bodyPr anchorCtr="0" anchor="t" bIns="91425" lIns="91425" spcFirstLastPara="1" rIns="91425" wrap="square" tIns="91425">
+            <a:noAutofit/>
+          </a:bodyPr>
+          <a:lstStyle/>
+          <a:p>
+            <a:pPr indent="0" lvl="0" marL="0" rtl="0" algn="l">
+              <a:spcBef>
+                <a:spcPts val="0"/>
+              </a:spcBef>
+              <a:spcAft>
+                <a:spcPts val="0"/>
+              </a:spcAft>
+              <a:buNone/>
+            </a:pPr>
+            <a:r>
+              <a:rPr lang="pt-BR"/>
+              <a:t>verificar esses passos e tentar  criar a porcaria do branch - john</a:t>
+            </a:r>
+            <a:endParaRPr/>
+          </a:p>
+        </p:txBody>
+      </p:sp>
+    </p:spTree>
+  </p:cSld>
+  <p:clrMapOvr>
+    <a:masterClrMapping/>
+  </p:clrMapOvr>
+</p:notes>
+</file>
+
+<file path=ppt/notesSlides/notesSlide29.xml><?xml version="1.0" encoding="utf-8"?>
+<p:notes xmlns:a="http://schemas.openxmlformats.org/drawingml/2006/main" xmlns:r="http://schemas.openxmlformats.org/officeDocument/2006/relationships" xmlns:mc="http://schemas.openxmlformats.org/markup-compatibility/2006" xmlns:mv="urn:schemas-microsoft-com:mac:vml" xmlns:p="http://schemas.openxmlformats.org/presentationml/2006/main" xmlns:c="http://schemas.openxmlformats.org/drawingml/2006/chart" xmlns:dgm="http://schemas.openxmlformats.org/drawingml/2006/diagram" xmlns:o="urn:schemas-microsoft-com:office:office" xmlns:v="urn:schemas-microsoft-com:vml" xmlns:pvml="urn:schemas-microsoft-com:office:powerpoint" xmlns:com="http://schemas.openxmlformats.org/drawingml/2006/compatibility" xmlns:p14="http://schemas.microsoft.com/office/powerpoint/2010/main" xmlns:p15="http://schemas.microsoft.com/office/powerpoint/2012/main" xmlns:ahyp="http://schemas.microsoft.com/office/drawing/2018/hyperlinkcolor" showMasterPhAnim="0" showMasterSp="0">
+  <p:cSld>
+    <p:spTree>
+      <p:nvGrpSpPr>
+        <p:cNvPr id="588" name="Shape 588"/>
+        <p:cNvGrpSpPr/>
+        <p:nvPr/>
+      </p:nvGrpSpPr>
+      <p:grpSpPr>
+        <a:xfrm>
+          <a:off x="0" y="0"/>
+          <a:ext cx="0" cy="0"/>
+          <a:chOff x="0" y="0"/>
+          <a:chExt cx="0" cy="0"/>
+        </a:xfrm>
+      </p:grpSpPr>
+      <p:sp>
+        <p:nvSpPr>
+          <p:cNvPr id="589" name="Google Shape;589;g9b37fc4154_2_6:notes"/>
+          <p:cNvSpPr/>
+          <p:nvPr>
+            <p:ph idx="2" type="sldImg"/>
+          </p:nvPr>
+        </p:nvSpPr>
+        <p:spPr>
+          <a:xfrm>
+            <a:off x="381300" y="685800"/>
+            <a:ext cx="6096000" cy="3429000"/>
+          </a:xfrm>
+          <a:custGeom>
+            <a:rect b="b" l="l" r="r" t="t"/>
+            <a:pathLst>
+              <a:path extrusionOk="0" h="120000" w="120000">
+                <a:moveTo>
+                  <a:pt x="0" y="0"/>
+                </a:moveTo>
+                <a:lnTo>
+                  <a:pt x="120000" y="0"/>
+                </a:lnTo>
+                <a:lnTo>
+                  <a:pt x="120000" y="120000"/>
+                </a:lnTo>
+                <a:lnTo>
+                  <a:pt x="0" y="120000"/>
+                </a:lnTo>
+                <a:close/>
+              </a:path>
+            </a:pathLst>
+          </a:custGeom>
+        </p:spPr>
+      </p:sp>
+      <p:sp>
+        <p:nvSpPr>
+          <p:cNvPr id="590" name="Google Shape;590;g9b37fc4154_2_6:notes"/>
           <p:cNvSpPr txBox="1"/>
           <p:nvPr>
             <p:ph idx="1" type="body"/>
@@ -3113,6 +3214,22 @@
             <a:r>
               <a:rPr lang="pt-BR"/>
               <a:t>recordando o funcionamento básico  - Bruno</a:t>
+            </a:r>
+            <a:endParaRPr/>
+          </a:p>
+          <a:p>
+            <a:pPr indent="0" lvl="0" marL="0" rtl="0" algn="l">
+              <a:spcBef>
+                <a:spcPts val="0"/>
+              </a:spcBef>
+              <a:spcAft>
+                <a:spcPts val="0"/>
+              </a:spcAft>
+              <a:buNone/>
+            </a:pPr>
+            <a:r>
+              <a:rPr lang="pt-BR"/>
+              <a:t>Em seguida, para recordar, vamos explicar como se cria um repositório no Github </a:t>
             </a:r>
             <a:endParaRPr/>
           </a:p>
@@ -17288,7 +17405,7 @@
   <mc:AlternateContent>
     <mc:Choice Requires="p14">
       <p:transition spd="slow" p14:dur="1000">
-        <p:push dir="r"/>
+        <p:push/>
       </p:transition>
     </mc:Choice>
     <mc:Fallback>
@@ -27868,49 +27985,9 @@
           </a:effectLst>
         </p:spPr>
       </p:pic>
-      <p:pic>
-        <p:nvPicPr>
-          <p:cNvPr id="527" name="Google Shape;527;p35"/>
-          <p:cNvPicPr preferRelativeResize="0"/>
-          <p:nvPr/>
-        </p:nvPicPr>
-        <p:blipFill rotWithShape="1">
-          <a:blip r:embed="rId4">
-            <a:alphaModFix/>
-          </a:blip>
-          <a:srcRect b="3772" l="0" r="0" t="0"/>
-          <a:stretch/>
-        </p:blipFill>
-        <p:spPr>
-          <a:xfrm>
-            <a:off x="5041050" y="2090050"/>
-            <a:ext cx="2637500" cy="1755275"/>
-          </a:xfrm>
-          <a:prstGeom prst="rect">
-            <a:avLst/>
-          </a:prstGeom>
-          <a:noFill/>
-          <a:ln cap="flat" cmpd="sng" w="19050">
-            <a:solidFill>
-              <a:srgbClr val="000000"/>
-            </a:solidFill>
-            <a:prstDash val="solid"/>
-            <a:round/>
-            <a:headEnd len="sm" w="sm" type="none"/>
-            <a:tailEnd len="sm" w="sm" type="none"/>
-          </a:ln>
-          <a:effectLst>
-            <a:outerShdw blurRad="200025" rotWithShape="0" algn="bl" dir="5400000" dist="209550">
-              <a:srgbClr val="000000">
-                <a:alpha val="50000"/>
-              </a:srgbClr>
-            </a:outerShdw>
-          </a:effectLst>
-        </p:spPr>
-      </p:pic>
       <p:sp>
         <p:nvSpPr>
-          <p:cNvPr id="528" name="Google Shape;528;p35"/>
+          <p:cNvPr id="527" name="Google Shape;527;p35"/>
           <p:cNvSpPr txBox="1"/>
           <p:nvPr>
             <p:ph idx="1" type="body"/>
@@ -27970,274 +28047,39 @@
           </a:p>
         </p:txBody>
       </p:sp>
-      <p:sp>
-        <p:nvSpPr>
-          <p:cNvPr id="529" name="Google Shape;529;p35"/>
-          <p:cNvSpPr/>
+      <p:pic>
+        <p:nvPicPr>
+          <p:cNvPr id="528" name="Google Shape;528;p35"/>
+          <p:cNvPicPr preferRelativeResize="0"/>
           <p:nvPr/>
-        </p:nvSpPr>
-        <p:spPr>
-          <a:xfrm flipH="1">
-            <a:off x="7268250" y="2628538"/>
-            <a:ext cx="690300" cy="678300"/>
-          </a:xfrm>
-          <a:prstGeom prst="rightArrow">
-            <a:avLst>
-              <a:gd fmla="val 50000" name="adj1"/>
-              <a:gd fmla="val 50000" name="adj2"/>
-            </a:avLst>
-          </a:prstGeom>
-          <a:solidFill>
-            <a:srgbClr val="A61C00"/>
-          </a:solidFill>
-          <a:ln cap="flat" cmpd="sng" w="9525">
-            <a:solidFill>
-              <a:schemeClr val="dk2"/>
-            </a:solidFill>
-            <a:prstDash val="solid"/>
-            <a:round/>
-            <a:headEnd len="sm" w="sm" type="none"/>
-            <a:tailEnd len="sm" w="sm" type="none"/>
-          </a:ln>
-          <a:effectLst>
-            <a:outerShdw blurRad="57150" rotWithShape="0" algn="bl" dir="5400000" dist="19050">
-              <a:srgbClr val="000000">
-                <a:alpha val="50000"/>
-              </a:srgbClr>
-            </a:outerShdw>
-          </a:effectLst>
-        </p:spPr>
-        <p:txBody>
-          <a:bodyPr anchorCtr="0" anchor="ctr" bIns="91425" lIns="91425" spcFirstLastPara="1" rIns="91425" wrap="square" tIns="91425">
-            <a:noAutofit/>
-          </a:bodyPr>
-          <a:lstStyle/>
-          <a:p>
-            <a:pPr indent="0" lvl="0" marL="0" rtl="0" algn="ctr">
-              <a:spcBef>
-                <a:spcPts val="0"/>
-              </a:spcBef>
-              <a:spcAft>
-                <a:spcPts val="0"/>
-              </a:spcAft>
-              <a:buNone/>
-            </a:pPr>
-            <a:r>
-              <a:rPr lang="pt-BR">
-                <a:solidFill>
-                  <a:srgbClr val="FFFFFF"/>
-                </a:solidFill>
-              </a:rPr>
-              <a:t>I</a:t>
-            </a:r>
-            <a:endParaRPr>
-              <a:solidFill>
-                <a:srgbClr val="FFFFFF"/>
-              </a:solidFill>
-            </a:endParaRPr>
-          </a:p>
-        </p:txBody>
-      </p:sp>
-      <p:sp>
-        <p:nvSpPr>
-          <p:cNvPr id="530" name="Google Shape;530;p35"/>
-          <p:cNvSpPr/>
-          <p:nvPr/>
-        </p:nvSpPr>
+        </p:nvPicPr>
+        <p:blipFill>
+          <a:blip r:embed="rId4">
+            <a:alphaModFix/>
+          </a:blip>
+          <a:stretch>
+            <a:fillRect/>
+          </a:stretch>
+        </p:blipFill>
         <p:spPr>
           <a:xfrm>
-            <a:off x="5206475" y="2855175"/>
-            <a:ext cx="972900" cy="190200"/>
+            <a:off x="4907750" y="1659800"/>
+            <a:ext cx="4029075" cy="2618126"/>
           </a:xfrm>
           <a:prstGeom prst="rect">
             <a:avLst/>
           </a:prstGeom>
-          <a:solidFill>
-            <a:schemeClr val="lt1"/>
-          </a:solidFill>
+          <a:noFill/>
           <a:ln>
             <a:noFill/>
           </a:ln>
         </p:spPr>
-        <p:txBody>
-          <a:bodyPr anchorCtr="0" anchor="ctr" bIns="91425" lIns="91425" spcFirstLastPara="1" rIns="91425" wrap="square" tIns="91425">
-            <a:noAutofit/>
-          </a:bodyPr>
-          <a:lstStyle/>
-          <a:p>
-            <a:pPr indent="0" lvl="0" marL="0" rtl="0" algn="l">
-              <a:spcBef>
-                <a:spcPts val="0"/>
-              </a:spcBef>
-              <a:spcAft>
-                <a:spcPts val="0"/>
-              </a:spcAft>
-              <a:buNone/>
-            </a:pPr>
-            <a:r>
-              <a:rPr lang="pt-BR" sz="1200"/>
-              <a:t>ramificacao</a:t>
-            </a:r>
-            <a:endParaRPr sz="1200"/>
-          </a:p>
-        </p:txBody>
-      </p:sp>
+      </p:pic>
     </p:spTree>
   </p:cSld>
   <p:clrMapOvr>
     <a:masterClrMapping/>
   </p:clrMapOvr>
-  <p:timing>
-    <p:tnLst>
-      <p:par>
-        <p:cTn dur="indefinite" nodeType="tmRoot" restart="never">
-          <p:childTnLst>
-            <p:seq concurrent="1" nextAc="seek">
-              <p:cTn dur="indefinite" id="2" nodeType="mainSeq">
-                <p:childTnLst>
-                  <p:par>
-                    <p:cTn fill="hold">
-                      <p:stCondLst>
-                        <p:cond delay="indefinite"/>
-                      </p:stCondLst>
-                      <p:childTnLst>
-                        <p:par>
-                          <p:cTn fill="hold">
-                            <p:stCondLst>
-                              <p:cond delay="0"/>
-                            </p:stCondLst>
-                            <p:childTnLst>
-                              <p:par>
-                                <p:cTn fill="hold" nodeType="clickEffect" presetClass="entr" presetID="2" presetSubtype="2">
-                                  <p:stCondLst>
-                                    <p:cond delay="0"/>
-                                  </p:stCondLst>
-                                  <p:childTnLst>
-                                    <p:set>
-                                      <p:cBhvr>
-                                        <p:cTn dur="1" fill="hold">
-                                          <p:stCondLst>
-                                            <p:cond delay="0"/>
-                                          </p:stCondLst>
-                                        </p:cTn>
-                                        <p:tgtEl>
-                                          <p:spTgt spid="529"/>
-                                        </p:tgtEl>
-                                        <p:attrNameLst>
-                                          <p:attrName>style.visibility</p:attrName>
-                                        </p:attrNameLst>
-                                      </p:cBhvr>
-                                      <p:to>
-                                        <p:strVal val="visible"/>
-                                      </p:to>
-                                    </p:set>
-                                    <p:anim calcmode="lin" valueType="num">
-                                      <p:cBhvr additive="base">
-                                        <p:cTn dur="1000"/>
-                                        <p:tgtEl>
-                                          <p:spTgt spid="529"/>
-                                        </p:tgtEl>
-                                        <p:attrNameLst>
-                                          <p:attrName>ppt_x</p:attrName>
-                                        </p:attrNameLst>
-                                      </p:cBhvr>
-                                      <p:tavLst>
-                                        <p:tav fmla="" tm="0">
-                                          <p:val>
-                                            <p:strVal val="#ppt_x+1"/>
-                                          </p:val>
-                                        </p:tav>
-                                        <p:tav fmla="" tm="100000">
-                                          <p:val>
-                                            <p:strVal val="#ppt_x"/>
-                                          </p:val>
-                                        </p:tav>
-                                      </p:tavLst>
-                                    </p:anim>
-                                  </p:childTnLst>
-                                </p:cTn>
-                              </p:par>
-                            </p:childTnLst>
-                          </p:cTn>
-                        </p:par>
-                      </p:childTnLst>
-                    </p:cTn>
-                  </p:par>
-                  <p:par>
-                    <p:cTn fill="hold">
-                      <p:stCondLst>
-                        <p:cond delay="indefinite"/>
-                      </p:stCondLst>
-                      <p:childTnLst>
-                        <p:par>
-                          <p:cTn fill="hold">
-                            <p:stCondLst>
-                              <p:cond delay="0"/>
-                            </p:stCondLst>
-                            <p:childTnLst>
-                              <p:par>
-                                <p:cTn fill="hold" nodeType="clickEffect" presetClass="entr" presetID="10" presetSubtype="0">
-                                  <p:stCondLst>
-                                    <p:cond delay="0"/>
-                                  </p:stCondLst>
-                                  <p:childTnLst>
-                                    <p:set>
-                                      <p:cBhvr>
-                                        <p:cTn dur="1" fill="hold">
-                                          <p:stCondLst>
-                                            <p:cond delay="0"/>
-                                          </p:stCondLst>
-                                        </p:cTn>
-                                        <p:tgtEl>
-                                          <p:spTgt spid="530"/>
-                                        </p:tgtEl>
-                                        <p:attrNameLst>
-                                          <p:attrName>style.visibility</p:attrName>
-                                        </p:attrNameLst>
-                                      </p:cBhvr>
-                                      <p:to>
-                                        <p:strVal val="visible"/>
-                                      </p:to>
-                                    </p:set>
-                                    <p:animEffect filter="fade" transition="in">
-                                      <p:cBhvr>
-                                        <p:cTn dur="1000"/>
-                                        <p:tgtEl>
-                                          <p:spTgt spid="530"/>
-                                        </p:tgtEl>
-                                      </p:cBhvr>
-                                    </p:animEffect>
-                                  </p:childTnLst>
-                                </p:cTn>
-                              </p:par>
-                            </p:childTnLst>
-                          </p:cTn>
-                        </p:par>
-                      </p:childTnLst>
-                    </p:cTn>
-                  </p:par>
-                </p:childTnLst>
-              </p:cTn>
-              <p:prevCondLst>
-                <p:cond evt="onPrev">
-                  <p:tgtEl>
-                    <p:sldTgt/>
-                  </p:tgtEl>
-                </p:cond>
-              </p:prevCondLst>
-              <p:nextCondLst>
-                <p:cond evt="onNext">
-                  <p:tgtEl>
-                    <p:sldTgt/>
-                  </p:tgtEl>
-                </p:cond>
-              </p:nextCondLst>
-            </p:seq>
-          </p:childTnLst>
-        </p:cTn>
-      </p:par>
-    </p:tnLst>
-  </p:timing>
 </p:sld>
 </file>
 
@@ -28253,7 +28095,7 @@
     </p:bg>
     <p:spTree>
       <p:nvGrpSpPr>
-        <p:cNvPr id="534" name="Shape 534"/>
+        <p:cNvPr id="532" name="Shape 532"/>
         <p:cNvGrpSpPr/>
         <p:nvPr/>
       </p:nvGrpSpPr>
@@ -28267,7 +28109,7 @@
       </p:grpSpPr>
       <p:sp>
         <p:nvSpPr>
-          <p:cNvPr id="535" name="Google Shape;535;p36"/>
+          <p:cNvPr id="533" name="Google Shape;533;p36"/>
           <p:cNvSpPr txBox="1"/>
           <p:nvPr>
             <p:ph type="title"/>
@@ -28317,7 +28159,7 @@
       </p:sp>
       <p:sp>
         <p:nvSpPr>
-          <p:cNvPr id="536" name="Google Shape;536;p36"/>
+          <p:cNvPr id="534" name="Google Shape;534;p36"/>
           <p:cNvSpPr txBox="1"/>
           <p:nvPr/>
         </p:nvSpPr>
@@ -28390,7 +28232,7 @@
       </p:sp>
       <p:sp>
         <p:nvSpPr>
-          <p:cNvPr id="537" name="Google Shape;537;p36"/>
+          <p:cNvPr id="535" name="Google Shape;535;p36"/>
           <p:cNvSpPr txBox="1"/>
           <p:nvPr>
             <p:ph idx="1" type="body"/>
@@ -28452,7 +28294,7 @@
       </p:sp>
       <p:sp>
         <p:nvSpPr>
-          <p:cNvPr id="538" name="Google Shape;538;p36"/>
+          <p:cNvPr id="536" name="Google Shape;536;p36"/>
           <p:cNvSpPr txBox="1"/>
           <p:nvPr/>
         </p:nvSpPr>
@@ -28525,7 +28367,7 @@
       </p:sp>
       <p:sp>
         <p:nvSpPr>
-          <p:cNvPr id="539" name="Google Shape;539;p36"/>
+          <p:cNvPr id="537" name="Google Shape;537;p36"/>
           <p:cNvSpPr txBox="1"/>
           <p:nvPr>
             <p:ph idx="1" type="body"/>
@@ -28587,7 +28429,7 @@
       </p:sp>
       <p:sp>
         <p:nvSpPr>
-          <p:cNvPr id="540" name="Google Shape;540;p36"/>
+          <p:cNvPr id="538" name="Google Shape;538;p36"/>
           <p:cNvSpPr txBox="1"/>
           <p:nvPr/>
         </p:nvSpPr>
@@ -28660,7 +28502,7 @@
       </p:sp>
       <p:sp>
         <p:nvSpPr>
-          <p:cNvPr id="541" name="Google Shape;541;p36"/>
+          <p:cNvPr id="539" name="Google Shape;539;p36"/>
           <p:cNvSpPr txBox="1"/>
           <p:nvPr>
             <p:ph idx="1" type="body"/>
@@ -28722,7 +28564,7 @@
       </p:sp>
       <p:pic>
         <p:nvPicPr>
-          <p:cNvPr id="542" name="Google Shape;542;p36"/>
+          <p:cNvPr id="540" name="Google Shape;540;p36"/>
           <p:cNvPicPr preferRelativeResize="0"/>
           <p:nvPr/>
         </p:nvPicPr>
@@ -28757,7 +28599,7 @@
       </p:pic>
       <p:pic>
         <p:nvPicPr>
-          <p:cNvPr id="543" name="Google Shape;543;p36"/>
+          <p:cNvPr id="541" name="Google Shape;541;p36"/>
           <p:cNvPicPr preferRelativeResize="0"/>
           <p:nvPr/>
         </p:nvPicPr>
@@ -28803,6 +28645,94 @@
             <p:seq concurrent="1" nextAc="seek">
               <p:cTn dur="indefinite" id="2" nodeType="mainSeq">
                 <p:childTnLst>
+                  <p:par>
+                    <p:cTn fill="hold">
+                      <p:stCondLst>
+                        <p:cond delay="indefinite"/>
+                      </p:stCondLst>
+                      <p:childTnLst>
+                        <p:par>
+                          <p:cTn fill="hold">
+                            <p:stCondLst>
+                              <p:cond delay="0"/>
+                            </p:stCondLst>
+                            <p:childTnLst>
+                              <p:par>
+                                <p:cTn fill="hold" nodeType="clickEffect" presetClass="entr" presetID="10" presetSubtype="0">
+                                  <p:stCondLst>
+                                    <p:cond delay="0"/>
+                                  </p:stCondLst>
+                                  <p:childTnLst>
+                                    <p:set>
+                                      <p:cBhvr>
+                                        <p:cTn dur="1" fill="hold">
+                                          <p:stCondLst>
+                                            <p:cond delay="0"/>
+                                          </p:stCondLst>
+                                        </p:cTn>
+                                        <p:tgtEl>
+                                          <p:spTgt spid="534"/>
+                                        </p:tgtEl>
+                                        <p:attrNameLst>
+                                          <p:attrName>style.visibility</p:attrName>
+                                        </p:attrNameLst>
+                                      </p:cBhvr>
+                                      <p:to>
+                                        <p:strVal val="visible"/>
+                                      </p:to>
+                                    </p:set>
+                                    <p:animEffect filter="fade" transition="in">
+                                      <p:cBhvr>
+                                        <p:cTn dur="1000"/>
+                                        <p:tgtEl>
+                                          <p:spTgt spid="534"/>
+                                        </p:tgtEl>
+                                      </p:cBhvr>
+                                    </p:animEffect>
+                                  </p:childTnLst>
+                                </p:cTn>
+                              </p:par>
+                              <p:par>
+                                <p:cTn fill="hold" nodeType="withEffect" presetClass="entr" presetID="10" presetSubtype="0">
+                                  <p:stCondLst>
+                                    <p:cond delay="0"/>
+                                  </p:stCondLst>
+                                  <p:childTnLst>
+                                    <p:set>
+                                      <p:cBhvr>
+                                        <p:cTn dur="1" fill="hold">
+                                          <p:stCondLst>
+                                            <p:cond delay="0"/>
+                                          </p:stCondLst>
+                                        </p:cTn>
+                                        <p:tgtEl>
+                                          <p:spTgt spid="535"/>
+                                        </p:tgtEl>
+                                        <p:attrNameLst>
+                                          <p:attrName>style.visibility</p:attrName>
+                                        </p:attrNameLst>
+                                      </p:cBhvr>
+                                      <p:to>
+                                        <p:strVal val="visible"/>
+                                      </p:to>
+                                    </p:set>
+                                    <p:animEffect filter="fade" transition="in">
+                                      <p:cBhvr>
+                                        <p:cTn dur="1000"/>
+                                        <p:tgtEl>
+                                          <p:spTgt spid="535"/>
+                                        </p:tgtEl>
+                                      </p:cBhvr>
+                                    </p:animEffect>
+                                  </p:childTnLst>
+                                </p:cTn>
+                              </p:par>
+                            </p:childTnLst>
+                          </p:cTn>
+                        </p:par>
+                      </p:childTnLst>
+                    </p:cTn>
+                  </p:par>
                   <p:par>
                     <p:cTn fill="hold">
                       <p:stCondLst>
@@ -28979,94 +28909,6 @@
                       </p:childTnLst>
                     </p:cTn>
                   </p:par>
-                  <p:par>
-                    <p:cTn fill="hold">
-                      <p:stCondLst>
-                        <p:cond delay="indefinite"/>
-                      </p:stCondLst>
-                      <p:childTnLst>
-                        <p:par>
-                          <p:cTn fill="hold">
-                            <p:stCondLst>
-                              <p:cond delay="0"/>
-                            </p:stCondLst>
-                            <p:childTnLst>
-                              <p:par>
-                                <p:cTn fill="hold" nodeType="clickEffect" presetClass="entr" presetID="10" presetSubtype="0">
-                                  <p:stCondLst>
-                                    <p:cond delay="0"/>
-                                  </p:stCondLst>
-                                  <p:childTnLst>
-                                    <p:set>
-                                      <p:cBhvr>
-                                        <p:cTn dur="1" fill="hold">
-                                          <p:stCondLst>
-                                            <p:cond delay="0"/>
-                                          </p:stCondLst>
-                                        </p:cTn>
-                                        <p:tgtEl>
-                                          <p:spTgt spid="540"/>
-                                        </p:tgtEl>
-                                        <p:attrNameLst>
-                                          <p:attrName>style.visibility</p:attrName>
-                                        </p:attrNameLst>
-                                      </p:cBhvr>
-                                      <p:to>
-                                        <p:strVal val="visible"/>
-                                      </p:to>
-                                    </p:set>
-                                    <p:animEffect filter="fade" transition="in">
-                                      <p:cBhvr>
-                                        <p:cTn dur="1000"/>
-                                        <p:tgtEl>
-                                          <p:spTgt spid="540"/>
-                                        </p:tgtEl>
-                                      </p:cBhvr>
-                                    </p:animEffect>
-                                  </p:childTnLst>
-                                </p:cTn>
-                              </p:par>
-                              <p:par>
-                                <p:cTn fill="hold" nodeType="withEffect" presetClass="entr" presetID="10" presetSubtype="0">
-                                  <p:stCondLst>
-                                    <p:cond delay="0"/>
-                                  </p:stCondLst>
-                                  <p:childTnLst>
-                                    <p:set>
-                                      <p:cBhvr>
-                                        <p:cTn dur="1" fill="hold">
-                                          <p:stCondLst>
-                                            <p:cond delay="0"/>
-                                          </p:stCondLst>
-                                        </p:cTn>
-                                        <p:tgtEl>
-                                          <p:spTgt spid="541"/>
-                                        </p:tgtEl>
-                                        <p:attrNameLst>
-                                          <p:attrName>style.visibility</p:attrName>
-                                        </p:attrNameLst>
-                                      </p:cBhvr>
-                                      <p:to>
-                                        <p:strVal val="visible"/>
-                                      </p:to>
-                                    </p:set>
-                                    <p:animEffect filter="fade" transition="in">
-                                      <p:cBhvr>
-                                        <p:cTn dur="1000"/>
-                                        <p:tgtEl>
-                                          <p:spTgt spid="541"/>
-                                        </p:tgtEl>
-                                      </p:cBhvr>
-                                    </p:animEffect>
-                                  </p:childTnLst>
-                                </p:cTn>
-                              </p:par>
-                            </p:childTnLst>
-                          </p:cTn>
-                        </p:par>
-                      </p:childTnLst>
-                    </p:cTn>
-                  </p:par>
                 </p:childTnLst>
               </p:cTn>
               <p:prevCondLst>
@@ -29104,7 +28946,7 @@
     </p:bg>
     <p:spTree>
       <p:nvGrpSpPr>
-        <p:cNvPr id="547" name="Shape 547"/>
+        <p:cNvPr id="545" name="Shape 545"/>
         <p:cNvGrpSpPr/>
         <p:nvPr/>
       </p:nvGrpSpPr>
@@ -29118,7 +28960,7 @@
       </p:grpSpPr>
       <p:sp>
         <p:nvSpPr>
-          <p:cNvPr id="548" name="Google Shape;548;p37"/>
+          <p:cNvPr id="546" name="Google Shape;546;p37"/>
           <p:cNvSpPr txBox="1"/>
           <p:nvPr>
             <p:ph type="title"/>
@@ -29183,7 +29025,7 @@
       </p:sp>
       <p:pic>
         <p:nvPicPr>
-          <p:cNvPr id="549" name="Google Shape;549;p37"/>
+          <p:cNvPr id="547" name="Google Shape;547;p37"/>
           <p:cNvPicPr preferRelativeResize="0"/>
           <p:nvPr/>
         </p:nvPicPr>
@@ -29218,7 +29060,7 @@
       </p:pic>
       <p:pic>
         <p:nvPicPr>
-          <p:cNvPr id="550" name="Google Shape;550;p37"/>
+          <p:cNvPr id="548" name="Google Shape;548;p37"/>
           <p:cNvPicPr preferRelativeResize="0"/>
           <p:nvPr/>
         </p:nvPicPr>
@@ -29253,7 +29095,7 @@
       </p:pic>
       <p:sp>
         <p:nvSpPr>
-          <p:cNvPr id="551" name="Google Shape;551;p37"/>
+          <p:cNvPr id="549" name="Google Shape;549;p37"/>
           <p:cNvSpPr txBox="1"/>
           <p:nvPr/>
         </p:nvSpPr>
@@ -29326,7 +29168,7 @@
       </p:sp>
       <p:sp>
         <p:nvSpPr>
-          <p:cNvPr id="552" name="Google Shape;552;p37"/>
+          <p:cNvPr id="550" name="Google Shape;550;p37"/>
           <p:cNvSpPr txBox="1"/>
           <p:nvPr/>
         </p:nvSpPr>
@@ -29399,7 +29241,7 @@
       </p:sp>
       <p:sp>
         <p:nvSpPr>
-          <p:cNvPr id="553" name="Google Shape;553;p37"/>
+          <p:cNvPr id="551" name="Google Shape;551;p37"/>
           <p:cNvSpPr txBox="1"/>
           <p:nvPr/>
         </p:nvSpPr>
@@ -29470,6 +29312,68 @@
           </a:p>
         </p:txBody>
       </p:sp>
+      <p:sp>
+        <p:nvSpPr>
+          <p:cNvPr id="552" name="Google Shape;552;p37"/>
+          <p:cNvSpPr txBox="1"/>
+          <p:nvPr>
+            <p:ph idx="1" type="body"/>
+          </p:nvPr>
+        </p:nvSpPr>
+        <p:spPr>
+          <a:xfrm>
+            <a:off x="790950" y="4261750"/>
+            <a:ext cx="7562100" cy="483000"/>
+          </a:xfrm>
+          <a:prstGeom prst="rect">
+            <a:avLst/>
+          </a:prstGeom>
+          <a:ln>
+            <a:noFill/>
+          </a:ln>
+          <a:effectLst>
+            <a:outerShdw blurRad="100013" rotWithShape="0" algn="bl" dir="5400000" dist="19050">
+              <a:srgbClr val="000000">
+                <a:alpha val="27000"/>
+              </a:srgbClr>
+            </a:outerShdw>
+          </a:effectLst>
+        </p:spPr>
+        <p:txBody>
+          <a:bodyPr anchorCtr="0" anchor="t" bIns="91425" lIns="91425" spcFirstLastPara="1" rIns="91425" wrap="square" tIns="91425">
+            <a:noAutofit/>
+          </a:bodyPr>
+          <a:lstStyle/>
+          <a:p>
+            <a:pPr indent="0" lvl="0" marL="0" rtl="0" algn="ctr">
+              <a:spcBef>
+                <a:spcPts val="0"/>
+              </a:spcBef>
+              <a:spcAft>
+                <a:spcPts val="1600"/>
+              </a:spcAft>
+              <a:buNone/>
+            </a:pPr>
+            <a:r>
+              <a:rPr lang="pt-BR" sz="2100">
+                <a:solidFill>
+                  <a:srgbClr val="434343"/>
+                </a:solidFill>
+                <a:latin typeface="Lato"/>
+                <a:ea typeface="Lato"/>
+                <a:cs typeface="Lato"/>
+                <a:sym typeface="Lato"/>
+              </a:rPr>
+              <a:t>Salve o seu trabalho feito na branch no repositório</a:t>
+            </a:r>
+            <a:endParaRPr sz="2800">
+              <a:solidFill>
+                <a:srgbClr val="434343"/>
+              </a:solidFill>
+            </a:endParaRPr>
+          </a:p>
+        </p:txBody>
+      </p:sp>
     </p:spTree>
   </p:cSld>
   <p:clrMapOvr>
@@ -29483,59 +29387,6 @@
             <p:seq concurrent="1" nextAc="seek">
               <p:cTn dur="indefinite" id="2" nodeType="mainSeq">
                 <p:childTnLst>
-                  <p:par>
-                    <p:cTn fill="hold">
-                      <p:stCondLst>
-                        <p:cond delay="indefinite"/>
-                      </p:stCondLst>
-                      <p:childTnLst>
-                        <p:par>
-                          <p:cTn fill="hold">
-                            <p:stCondLst>
-                              <p:cond delay="0"/>
-                            </p:stCondLst>
-                            <p:childTnLst>
-                              <p:par>
-                                <p:cTn fill="hold" nodeType="clickEffect" presetClass="entr" presetID="10" presetSubtype="0">
-                                  <p:stCondLst>
-                                    <p:cond delay="0"/>
-                                  </p:stCondLst>
-                                  <p:childTnLst>
-                                    <p:set>
-                                      <p:cBhvr>
-                                        <p:cTn dur="1" fill="hold">
-                                          <p:stCondLst>
-                                            <p:cond delay="0"/>
-                                          </p:stCondLst>
-                                        </p:cTn>
-                                        <p:tgtEl>
-                                          <p:spTgt spid="553"/>
-                                        </p:tgtEl>
-                                        <p:attrNameLst>
-                                          <p:attrName>style.visibility</p:attrName>
-                                        </p:attrNameLst>
-                                      </p:cBhvr>
-                                      <p:to>
-                                        <p:strVal val="visible"/>
-                                      </p:to>
-                                    </p:set>
-                                    <p:animEffect filter="fade" transition="in">
-                                      <p:cBhvr>
-                                        <p:cTn dur="1000"/>
-                                        <p:tgtEl>
-                                          <p:spTgt spid="553"/>
-                                        </p:tgtEl>
-                                      </p:cBhvr>
-                                    </p:animEffect>
-                                  </p:childTnLst>
-                                </p:cTn>
-                              </p:par>
-                            </p:childTnLst>
-                          </p:cTn>
-                        </p:par>
-                      </p:childTnLst>
-                    </p:cTn>
-                  </p:par>
                   <p:par>
                     <p:cTn fill="hold">
                       <p:stCondLst>
@@ -29615,7 +29466,7 @@
                                           </p:stCondLst>
                                         </p:cTn>
                                         <p:tgtEl>
-                                          <p:spTgt spid="552"/>
+                                          <p:spTgt spid="549"/>
                                         </p:tgtEl>
                                         <p:attrNameLst>
                                           <p:attrName>style.visibility</p:attrName>
@@ -29629,7 +29480,60 @@
                                       <p:cBhvr>
                                         <p:cTn dur="1000"/>
                                         <p:tgtEl>
-                                          <p:spTgt spid="552"/>
+                                          <p:spTgt spid="549"/>
+                                        </p:tgtEl>
+                                      </p:cBhvr>
+                                    </p:animEffect>
+                                  </p:childTnLst>
+                                </p:cTn>
+                              </p:par>
+                            </p:childTnLst>
+                          </p:cTn>
+                        </p:par>
+                      </p:childTnLst>
+                    </p:cTn>
+                  </p:par>
+                  <p:par>
+                    <p:cTn fill="hold">
+                      <p:stCondLst>
+                        <p:cond delay="indefinite"/>
+                      </p:stCondLst>
+                      <p:childTnLst>
+                        <p:par>
+                          <p:cTn fill="hold">
+                            <p:stCondLst>
+                              <p:cond delay="0"/>
+                            </p:stCondLst>
+                            <p:childTnLst>
+                              <p:par>
+                                <p:cTn fill="hold" nodeType="clickEffect" presetClass="entr" presetID="10" presetSubtype="0">
+                                  <p:stCondLst>
+                                    <p:cond delay="0"/>
+                                  </p:stCondLst>
+                                  <p:childTnLst>
+                                    <p:set>
+                                      <p:cBhvr>
+                                        <p:cTn dur="1" fill="hold">
+                                          <p:stCondLst>
+                                            <p:cond delay="0"/>
+                                          </p:stCondLst>
+                                        </p:cTn>
+                                        <p:tgtEl>
+                                          <p:spTgt spid="550"/>
+                                        </p:tgtEl>
+                                        <p:attrNameLst>
+                                          <p:attrName>style.visibility</p:attrName>
+                                        </p:attrNameLst>
+                                      </p:cBhvr>
+                                      <p:to>
+                                        <p:strVal val="visible"/>
+                                      </p:to>
+                                    </p:set>
+                                    <p:animEffect filter="fade" transition="in">
+                                      <p:cBhvr>
+                                        <p:cTn dur="1000"/>
+                                        <p:tgtEl>
+                                          <p:spTgt spid="550"/>
                                         </p:tgtEl>
                                       </p:cBhvr>
                                     </p:animEffect>
@@ -29679,7 +29583,7 @@
     </p:bg>
     <p:spTree>
       <p:nvGrpSpPr>
-        <p:cNvPr id="557" name="Shape 557"/>
+        <p:cNvPr id="556" name="Shape 556"/>
         <p:cNvGrpSpPr/>
         <p:nvPr/>
       </p:nvGrpSpPr>
@@ -29693,7 +29597,7 @@
       </p:grpSpPr>
       <p:sp>
         <p:nvSpPr>
-          <p:cNvPr id="558" name="Google Shape;558;p38"/>
+          <p:cNvPr id="557" name="Google Shape;557;p38"/>
           <p:cNvSpPr txBox="1"/>
           <p:nvPr>
             <p:ph type="title"/>
@@ -29743,7 +29647,7 @@
       </p:sp>
       <p:pic>
         <p:nvPicPr>
-          <p:cNvPr id="559" name="Google Shape;559;p38"/>
+          <p:cNvPr id="558" name="Google Shape;558;p38"/>
           <p:cNvPicPr preferRelativeResize="0"/>
           <p:nvPr/>
         </p:nvPicPr>
@@ -29778,7 +29682,7 @@
       </p:pic>
       <p:pic>
         <p:nvPicPr>
-          <p:cNvPr id="560" name="Google Shape;560;p38"/>
+          <p:cNvPr id="559" name="Google Shape;559;p38"/>
           <p:cNvPicPr preferRelativeResize="0"/>
           <p:nvPr/>
         </p:nvPicPr>
@@ -29813,7 +29717,7 @@
       </p:pic>
       <p:sp>
         <p:nvSpPr>
-          <p:cNvPr id="561" name="Google Shape;561;p38"/>
+          <p:cNvPr id="560" name="Google Shape;560;p38"/>
           <p:cNvSpPr txBox="1"/>
           <p:nvPr/>
         </p:nvSpPr>
@@ -29886,7 +29790,7 @@
       </p:sp>
       <p:sp>
         <p:nvSpPr>
-          <p:cNvPr id="562" name="Google Shape;562;p38"/>
+          <p:cNvPr id="561" name="Google Shape;561;p38"/>
           <p:cNvSpPr txBox="1"/>
           <p:nvPr>
             <p:ph idx="1" type="body"/>
@@ -29948,7 +29852,7 @@
       </p:sp>
       <p:sp>
         <p:nvSpPr>
-          <p:cNvPr id="563" name="Google Shape;563;p38"/>
+          <p:cNvPr id="562" name="Google Shape;562;p38"/>
           <p:cNvSpPr txBox="1"/>
           <p:nvPr/>
         </p:nvSpPr>
@@ -30021,7 +29925,7 @@
       </p:sp>
       <p:sp>
         <p:nvSpPr>
-          <p:cNvPr id="564" name="Google Shape;564;p38"/>
+          <p:cNvPr id="563" name="Google Shape;563;p38"/>
           <p:cNvSpPr txBox="1"/>
           <p:nvPr>
             <p:ph idx="1" type="body"/>
@@ -30095,7 +29999,7 @@
       </p:sp>
       <p:sp>
         <p:nvSpPr>
-          <p:cNvPr id="565" name="Google Shape;565;p38"/>
+          <p:cNvPr id="564" name="Google Shape;564;p38"/>
           <p:cNvSpPr txBox="1"/>
           <p:nvPr/>
         </p:nvSpPr>
@@ -30168,7 +30072,7 @@
       </p:sp>
       <p:sp>
         <p:nvSpPr>
-          <p:cNvPr id="566" name="Google Shape;566;p38"/>
+          <p:cNvPr id="565" name="Google Shape;565;p38"/>
           <p:cNvSpPr txBox="1"/>
           <p:nvPr>
             <p:ph idx="1" type="body"/>
@@ -30267,7 +30171,7 @@
                                           </p:stCondLst>
                                         </p:cTn>
                                         <p:tgtEl>
-                                          <p:spTgt spid="561"/>
+                                          <p:spTgt spid="560"/>
                                         </p:tgtEl>
                                         <p:attrNameLst>
                                           <p:attrName>style.visibility</p:attrName>
@@ -30281,7 +30185,7 @@
                                       <p:cBhvr>
                                         <p:cTn dur="1000"/>
                                         <p:tgtEl>
-                                          <p:spTgt spid="561"/>
+                                          <p:spTgt spid="560"/>
                                         </p:tgtEl>
                                       </p:cBhvr>
                                     </p:animEffect>
@@ -30302,7 +30206,7 @@
                                           </p:stCondLst>
                                         </p:cTn>
                                         <p:tgtEl>
-                                          <p:spTgt spid="562"/>
+                                          <p:spTgt spid="561"/>
                                         </p:tgtEl>
                                         <p:attrNameLst>
                                           <p:attrName>style.visibility</p:attrName>
@@ -30316,7 +30220,7 @@
                                       <p:cBhvr>
                                         <p:cTn dur="1000"/>
                                         <p:tgtEl>
-                                          <p:spTgt spid="562"/>
+                                          <p:spTgt spid="561"/>
                                         </p:tgtEl>
                                       </p:cBhvr>
                                     </p:animEffect>
@@ -30355,7 +30259,7 @@
                                           </p:stCondLst>
                                         </p:cTn>
                                         <p:tgtEl>
-                                          <p:spTgt spid="563"/>
+                                          <p:spTgt spid="562"/>
                                         </p:tgtEl>
                                         <p:attrNameLst>
                                           <p:attrName>style.visibility</p:attrName>
@@ -30369,7 +30273,7 @@
                                       <p:cBhvr>
                                         <p:cTn dur="1000"/>
                                         <p:tgtEl>
-                                          <p:spTgt spid="563"/>
+                                          <p:spTgt spid="562"/>
                                         </p:tgtEl>
                                       </p:cBhvr>
                                     </p:animEffect>
@@ -30390,7 +30294,7 @@
                                           </p:stCondLst>
                                         </p:cTn>
                                         <p:tgtEl>
-                                          <p:spTgt spid="564"/>
+                                          <p:spTgt spid="563"/>
                                         </p:tgtEl>
                                         <p:attrNameLst>
                                           <p:attrName>style.visibility</p:attrName>
@@ -30404,7 +30308,7 @@
                                       <p:cBhvr>
                                         <p:cTn dur="1000"/>
                                         <p:tgtEl>
-                                          <p:spTgt spid="564"/>
+                                          <p:spTgt spid="563"/>
                                         </p:tgtEl>
                                       </p:cBhvr>
                                     </p:animEffect>
@@ -30443,7 +30347,7 @@
                                           </p:stCondLst>
                                         </p:cTn>
                                         <p:tgtEl>
-                                          <p:spTgt spid="565"/>
+                                          <p:spTgt spid="564"/>
                                         </p:tgtEl>
                                         <p:attrNameLst>
                                           <p:attrName>style.visibility</p:attrName>
@@ -30457,7 +30361,7 @@
                                       <p:cBhvr>
                                         <p:cTn dur="1000"/>
                                         <p:tgtEl>
-                                          <p:spTgt spid="565"/>
+                                          <p:spTgt spid="564"/>
                                         </p:tgtEl>
                                       </p:cBhvr>
                                     </p:animEffect>
@@ -30478,7 +30382,7 @@
                                           </p:stCondLst>
                                         </p:cTn>
                                         <p:tgtEl>
-                                          <p:spTgt spid="566"/>
+                                          <p:spTgt spid="565"/>
                                         </p:tgtEl>
                                         <p:attrNameLst>
                                           <p:attrName>style.visibility</p:attrName>
@@ -30492,7 +30396,7 @@
                                       <p:cBhvr>
                                         <p:cTn dur="1000"/>
                                         <p:tgtEl>
-                                          <p:spTgt spid="566"/>
+                                          <p:spTgt spid="565"/>
                                         </p:tgtEl>
                                       </p:cBhvr>
                                     </p:animEffect>
@@ -30542,7 +30446,7 @@
     </p:bg>
     <p:spTree>
       <p:nvGrpSpPr>
-        <p:cNvPr id="570" name="Shape 570"/>
+        <p:cNvPr id="569" name="Shape 569"/>
         <p:cNvGrpSpPr/>
         <p:nvPr/>
       </p:nvGrpSpPr>
@@ -30556,7 +30460,7 @@
       </p:grpSpPr>
       <p:sp>
         <p:nvSpPr>
-          <p:cNvPr id="571" name="Google Shape;571;p39"/>
+          <p:cNvPr id="570" name="Google Shape;570;p39"/>
           <p:cNvSpPr txBox="1"/>
           <p:nvPr>
             <p:ph type="title"/>
@@ -30621,7 +30525,7 @@
       </p:sp>
       <p:pic>
         <p:nvPicPr>
-          <p:cNvPr id="572" name="Google Shape;572;p39"/>
+          <p:cNvPr id="571" name="Google Shape;571;p39"/>
           <p:cNvPicPr preferRelativeResize="0"/>
           <p:nvPr/>
         </p:nvPicPr>
@@ -30656,7 +30560,7 @@
       </p:pic>
       <p:pic>
         <p:nvPicPr>
-          <p:cNvPr id="573" name="Google Shape;573;p39"/>
+          <p:cNvPr id="572" name="Google Shape;572;p39"/>
           <p:cNvPicPr preferRelativeResize="0"/>
           <p:nvPr/>
         </p:nvPicPr>
@@ -30691,7 +30595,455 @@
       </p:pic>
       <p:sp>
         <p:nvSpPr>
+          <p:cNvPr id="573" name="Google Shape;573;p39"/>
+          <p:cNvSpPr txBox="1"/>
+          <p:nvPr/>
+        </p:nvSpPr>
+        <p:spPr>
+          <a:xfrm>
+            <a:off x="790950" y="3020850"/>
+            <a:ext cx="7562100" cy="483000"/>
+          </a:xfrm>
+          <a:prstGeom prst="rect">
+            <a:avLst/>
+          </a:prstGeom>
+          <a:solidFill>
+            <a:srgbClr val="434343"/>
+          </a:solidFill>
+          <a:ln cap="flat" cmpd="sng" w="19050">
+            <a:solidFill>
+              <a:srgbClr val="D9D9D9"/>
+            </a:solidFill>
+            <a:prstDash val="solid"/>
+            <a:round/>
+            <a:headEnd len="sm" w="sm" type="none"/>
+            <a:tailEnd len="sm" w="sm" type="none"/>
+          </a:ln>
+          <a:effectLst>
+            <a:outerShdw blurRad="57150" rotWithShape="0" algn="bl" dir="5400000" dist="19050">
+              <a:srgbClr val="000000">
+                <a:alpha val="50000"/>
+              </a:srgbClr>
+            </a:outerShdw>
+          </a:effectLst>
+        </p:spPr>
+        <p:txBody>
+          <a:bodyPr anchorCtr="0" anchor="t" bIns="91425" lIns="91425" spcFirstLastPara="1" rIns="91425" wrap="square" tIns="91425">
+            <a:noAutofit/>
+          </a:bodyPr>
+          <a:lstStyle/>
+          <a:p>
+            <a:pPr indent="0" lvl="0" marL="457200" rtl="0" algn="l">
+              <a:spcBef>
+                <a:spcPts val="0"/>
+              </a:spcBef>
+              <a:spcAft>
+                <a:spcPts val="0"/>
+              </a:spcAft>
+              <a:buNone/>
+            </a:pPr>
+            <a:r>
+              <a:rPr lang="pt-BR" sz="2000">
+                <a:solidFill>
+                  <a:srgbClr val="EFEFEF"/>
+                </a:solidFill>
+                <a:latin typeface="Nunito"/>
+                <a:ea typeface="Nunito"/>
+                <a:cs typeface="Nunito"/>
+                <a:sym typeface="Nunito"/>
+              </a:rPr>
+              <a:t>git commit -m “atualização de branch”</a:t>
+            </a:r>
+            <a:endParaRPr sz="2000">
+              <a:solidFill>
+                <a:srgbClr val="EFEFEF"/>
+              </a:solidFill>
+              <a:latin typeface="Nunito"/>
+              <a:ea typeface="Nunito"/>
+              <a:cs typeface="Nunito"/>
+              <a:sym typeface="Nunito"/>
+            </a:endParaRPr>
+          </a:p>
+        </p:txBody>
+      </p:sp>
+      <p:sp>
+        <p:nvSpPr>
           <p:cNvPr id="574" name="Google Shape;574;p39"/>
+          <p:cNvSpPr txBox="1"/>
+          <p:nvPr/>
+        </p:nvSpPr>
+        <p:spPr>
+          <a:xfrm>
+            <a:off x="790950" y="3641300"/>
+            <a:ext cx="7562100" cy="483000"/>
+          </a:xfrm>
+          <a:prstGeom prst="rect">
+            <a:avLst/>
+          </a:prstGeom>
+          <a:solidFill>
+            <a:srgbClr val="434343"/>
+          </a:solidFill>
+          <a:ln cap="flat" cmpd="sng" w="19050">
+            <a:solidFill>
+              <a:srgbClr val="D9D9D9"/>
+            </a:solidFill>
+            <a:prstDash val="solid"/>
+            <a:round/>
+            <a:headEnd len="sm" w="sm" type="none"/>
+            <a:tailEnd len="sm" w="sm" type="none"/>
+          </a:ln>
+          <a:effectLst>
+            <a:outerShdw blurRad="57150" rotWithShape="0" algn="bl" dir="5400000" dist="19050">
+              <a:srgbClr val="000000">
+                <a:alpha val="50000"/>
+              </a:srgbClr>
+            </a:outerShdw>
+          </a:effectLst>
+        </p:spPr>
+        <p:txBody>
+          <a:bodyPr anchorCtr="0" anchor="t" bIns="91425" lIns="91425" spcFirstLastPara="1" rIns="91425" wrap="square" tIns="91425">
+            <a:noAutofit/>
+          </a:bodyPr>
+          <a:lstStyle/>
+          <a:p>
+            <a:pPr indent="0" lvl="0" marL="457200" rtl="0" algn="l">
+              <a:spcBef>
+                <a:spcPts val="0"/>
+              </a:spcBef>
+              <a:spcAft>
+                <a:spcPts val="0"/>
+              </a:spcAft>
+              <a:buNone/>
+            </a:pPr>
+            <a:r>
+              <a:rPr lang="pt-BR" sz="2000">
+                <a:solidFill>
+                  <a:srgbClr val="EFEFEF"/>
+                </a:solidFill>
+                <a:latin typeface="Nunito"/>
+                <a:ea typeface="Nunito"/>
+                <a:cs typeface="Nunito"/>
+                <a:sym typeface="Nunito"/>
+              </a:rPr>
+              <a:t>git push origin ramificacao</a:t>
+            </a:r>
+            <a:endParaRPr sz="2000">
+              <a:solidFill>
+                <a:srgbClr val="EFEFEF"/>
+              </a:solidFill>
+              <a:latin typeface="Nunito"/>
+              <a:ea typeface="Nunito"/>
+              <a:cs typeface="Nunito"/>
+              <a:sym typeface="Nunito"/>
+            </a:endParaRPr>
+          </a:p>
+        </p:txBody>
+      </p:sp>
+      <p:sp>
+        <p:nvSpPr>
+          <p:cNvPr id="575" name="Google Shape;575;p39"/>
+          <p:cNvSpPr txBox="1"/>
+          <p:nvPr/>
+        </p:nvSpPr>
+        <p:spPr>
+          <a:xfrm>
+            <a:off x="790950" y="2400400"/>
+            <a:ext cx="7562100" cy="483000"/>
+          </a:xfrm>
+          <a:prstGeom prst="rect">
+            <a:avLst/>
+          </a:prstGeom>
+          <a:solidFill>
+            <a:srgbClr val="434343"/>
+          </a:solidFill>
+          <a:ln cap="flat" cmpd="sng" w="19050">
+            <a:solidFill>
+              <a:srgbClr val="D9D9D9"/>
+            </a:solidFill>
+            <a:prstDash val="solid"/>
+            <a:round/>
+            <a:headEnd len="sm" w="sm" type="none"/>
+            <a:tailEnd len="sm" w="sm" type="none"/>
+          </a:ln>
+          <a:effectLst>
+            <a:outerShdw blurRad="57150" rotWithShape="0" algn="bl" dir="5400000" dist="19050">
+              <a:srgbClr val="000000">
+                <a:alpha val="50000"/>
+              </a:srgbClr>
+            </a:outerShdw>
+          </a:effectLst>
+        </p:spPr>
+        <p:txBody>
+          <a:bodyPr anchorCtr="0" anchor="t" bIns="91425" lIns="91425" spcFirstLastPara="1" rIns="91425" wrap="square" tIns="91425">
+            <a:noAutofit/>
+          </a:bodyPr>
+          <a:lstStyle/>
+          <a:p>
+            <a:pPr indent="0" lvl="0" marL="457200" rtl="0" algn="l">
+              <a:spcBef>
+                <a:spcPts val="0"/>
+              </a:spcBef>
+              <a:spcAft>
+                <a:spcPts val="0"/>
+              </a:spcAft>
+              <a:buNone/>
+            </a:pPr>
+            <a:r>
+              <a:rPr lang="pt-BR" sz="2000">
+                <a:solidFill>
+                  <a:srgbClr val="EFEFEF"/>
+                </a:solidFill>
+                <a:latin typeface="Nunito"/>
+                <a:ea typeface="Nunito"/>
+                <a:cs typeface="Nunito"/>
+                <a:sym typeface="Nunito"/>
+              </a:rPr>
+              <a:t>git add .</a:t>
+            </a:r>
+            <a:endParaRPr sz="2000">
+              <a:solidFill>
+                <a:srgbClr val="EFEFEF"/>
+              </a:solidFill>
+              <a:latin typeface="Nunito"/>
+              <a:ea typeface="Nunito"/>
+              <a:cs typeface="Nunito"/>
+              <a:sym typeface="Nunito"/>
+            </a:endParaRPr>
+          </a:p>
+        </p:txBody>
+      </p:sp>
+      <p:sp>
+        <p:nvSpPr>
+          <p:cNvPr id="576" name="Google Shape;576;p39"/>
+          <p:cNvSpPr txBox="1"/>
+          <p:nvPr>
+            <p:ph idx="1" type="body"/>
+          </p:nvPr>
+        </p:nvSpPr>
+        <p:spPr>
+          <a:xfrm>
+            <a:off x="790950" y="4261750"/>
+            <a:ext cx="7562100" cy="483000"/>
+          </a:xfrm>
+          <a:prstGeom prst="rect">
+            <a:avLst/>
+          </a:prstGeom>
+          <a:ln>
+            <a:noFill/>
+          </a:ln>
+          <a:effectLst>
+            <a:outerShdw blurRad="100013" rotWithShape="0" algn="bl" dir="5400000" dist="19050">
+              <a:srgbClr val="000000">
+                <a:alpha val="27000"/>
+              </a:srgbClr>
+            </a:outerShdw>
+          </a:effectLst>
+        </p:spPr>
+        <p:txBody>
+          <a:bodyPr anchorCtr="0" anchor="t" bIns="91425" lIns="91425" spcFirstLastPara="1" rIns="91425" wrap="square" tIns="91425">
+            <a:noAutofit/>
+          </a:bodyPr>
+          <a:lstStyle/>
+          <a:p>
+            <a:pPr indent="0" lvl="0" marL="0" rtl="0" algn="ctr">
+              <a:spcBef>
+                <a:spcPts val="0"/>
+              </a:spcBef>
+              <a:spcAft>
+                <a:spcPts val="1600"/>
+              </a:spcAft>
+              <a:buNone/>
+            </a:pPr>
+            <a:r>
+              <a:rPr lang="pt-BR" sz="2100">
+                <a:solidFill>
+                  <a:srgbClr val="434343"/>
+                </a:solidFill>
+                <a:latin typeface="Lato"/>
+                <a:ea typeface="Lato"/>
+                <a:cs typeface="Lato"/>
+                <a:sym typeface="Lato"/>
+              </a:rPr>
+              <a:t>Salve o seu trabalho feito na branch no repositório</a:t>
+            </a:r>
+            <a:endParaRPr sz="2800">
+              <a:solidFill>
+                <a:srgbClr val="434343"/>
+              </a:solidFill>
+            </a:endParaRPr>
+          </a:p>
+        </p:txBody>
+      </p:sp>
+    </p:spTree>
+  </p:cSld>
+  <p:clrMapOvr>
+    <a:masterClrMapping/>
+  </p:clrMapOvr>
+</p:sld>
+</file>
+
+<file path=ppt/slides/slide28.xml><?xml version="1.0" encoding="utf-8"?>
+<p:sld xmlns:a="http://schemas.openxmlformats.org/drawingml/2006/main" xmlns:r="http://schemas.openxmlformats.org/officeDocument/2006/relationships" xmlns:mc="http://schemas.openxmlformats.org/markup-compatibility/2006" xmlns:mv="urn:schemas-microsoft-com:mac:vml" xmlns:p="http://schemas.openxmlformats.org/presentationml/2006/main" xmlns:c="http://schemas.openxmlformats.org/drawingml/2006/chart" xmlns:dgm="http://schemas.openxmlformats.org/drawingml/2006/diagram" xmlns:o="urn:schemas-microsoft-com:office:office" xmlns:v="urn:schemas-microsoft-com:vml" xmlns:pvml="urn:schemas-microsoft-com:office:powerpoint" xmlns:com="http://schemas.openxmlformats.org/drawingml/2006/compatibility" xmlns:p14="http://schemas.microsoft.com/office/powerpoint/2010/main" xmlns:p15="http://schemas.microsoft.com/office/powerpoint/2012/main" xmlns:ahyp="http://schemas.microsoft.com/office/drawing/2018/hyperlinkcolor">
+  <p:cSld>
+    <p:bg>
+      <p:bgPr>
+        <a:solidFill>
+          <a:schemeClr val="accent3"/>
+        </a:solidFill>
+      </p:bgPr>
+    </p:bg>
+    <p:spTree>
+      <p:nvGrpSpPr>
+        <p:cNvPr id="580" name="Shape 580"/>
+        <p:cNvGrpSpPr/>
+        <p:nvPr/>
+      </p:nvGrpSpPr>
+      <p:grpSpPr>
+        <a:xfrm>
+          <a:off x="0" y="0"/>
+          <a:ext cx="0" cy="0"/>
+          <a:chOff x="0" y="0"/>
+          <a:chExt cx="0" cy="0"/>
+        </a:xfrm>
+      </p:grpSpPr>
+      <p:sp>
+        <p:nvSpPr>
+          <p:cNvPr id="581" name="Google Shape;581;p40"/>
+          <p:cNvSpPr txBox="1"/>
+          <p:nvPr>
+            <p:ph type="title"/>
+          </p:nvPr>
+        </p:nvSpPr>
+        <p:spPr>
+          <a:xfrm>
+            <a:off x="1761600" y="314175"/>
+            <a:ext cx="6810300" cy="746700"/>
+          </a:xfrm>
+          <a:prstGeom prst="rect">
+            <a:avLst/>
+          </a:prstGeom>
+          <a:ln>
+            <a:noFill/>
+          </a:ln>
+          <a:effectLst>
+            <a:outerShdw blurRad="100013" rotWithShape="0" algn="bl" dir="5400000" dist="19050">
+              <a:srgbClr val="000000">
+                <a:alpha val="27000"/>
+              </a:srgbClr>
+            </a:outerShdw>
+          </a:effectLst>
+        </p:spPr>
+        <p:txBody>
+          <a:bodyPr anchorCtr="0" anchor="t" bIns="91425" lIns="91425" spcFirstLastPara="1" rIns="91425" wrap="square" tIns="91425">
+            <a:noAutofit/>
+          </a:bodyPr>
+          <a:lstStyle/>
+          <a:p>
+            <a:pPr indent="0" lvl="0" marL="0" rtl="0" algn="ctr">
+              <a:spcBef>
+                <a:spcPts val="0"/>
+              </a:spcBef>
+              <a:spcAft>
+                <a:spcPts val="0"/>
+              </a:spcAft>
+              <a:buNone/>
+            </a:pPr>
+            <a:r>
+              <a:rPr lang="pt-BR"/>
+              <a:t>Caso a equipe tenha atualizado o master enquanto você ainda não upou sua branch criada ...</a:t>
+            </a:r>
+            <a:endParaRPr/>
+          </a:p>
+          <a:p>
+            <a:pPr indent="0" lvl="0" marL="0" rtl="0" algn="l">
+              <a:spcBef>
+                <a:spcPts val="0"/>
+              </a:spcBef>
+              <a:spcAft>
+                <a:spcPts val="0"/>
+              </a:spcAft>
+              <a:buNone/>
+            </a:pPr>
+            <a:r>
+              <a:t/>
+            </a:r>
+            <a:endParaRPr/>
+          </a:p>
+        </p:txBody>
+      </p:sp>
+      <p:pic>
+        <p:nvPicPr>
+          <p:cNvPr id="582" name="Google Shape;582;p40"/>
+          <p:cNvPicPr preferRelativeResize="0"/>
+          <p:nvPr/>
+        </p:nvPicPr>
+        <p:blipFill>
+          <a:blip r:embed="rId3">
+            <a:alphaModFix/>
+          </a:blip>
+          <a:stretch>
+            <a:fillRect/>
+          </a:stretch>
+        </p:blipFill>
+        <p:spPr>
+          <a:xfrm>
+            <a:off x="79650" y="324450"/>
+            <a:ext cx="1214788" cy="847675"/>
+          </a:xfrm>
+          <a:prstGeom prst="rect">
+            <a:avLst/>
+          </a:prstGeom>
+          <a:noFill/>
+          <a:ln>
+            <a:noFill/>
+          </a:ln>
+          <a:effectLst>
+            <a:outerShdw blurRad="57150" rotWithShape="0" algn="bl" dir="4020000" dist="95250">
+              <a:srgbClr val="000000">
+                <a:alpha val="50000"/>
+              </a:srgbClr>
+            </a:outerShdw>
+          </a:effectLst>
+        </p:spPr>
+      </p:pic>
+      <p:pic>
+        <p:nvPicPr>
+          <p:cNvPr id="583" name="Google Shape;583;p40"/>
+          <p:cNvPicPr preferRelativeResize="0"/>
+          <p:nvPr/>
+        </p:nvPicPr>
+        <p:blipFill>
+          <a:blip r:embed="rId4">
+            <a:alphaModFix/>
+          </a:blip>
+          <a:stretch>
+            <a:fillRect/>
+          </a:stretch>
+        </p:blipFill>
+        <p:spPr>
+          <a:xfrm>
+            <a:off x="749978" y="545023"/>
+            <a:ext cx="873693" cy="852828"/>
+          </a:xfrm>
+          <a:prstGeom prst="rect">
+            <a:avLst/>
+          </a:prstGeom>
+          <a:noFill/>
+          <a:ln>
+            <a:noFill/>
+          </a:ln>
+          <a:effectLst>
+            <a:outerShdw blurRad="57150" rotWithShape="0" algn="bl" dir="5400000" dist="19050">
+              <a:srgbClr val="000000">
+                <a:alpha val="50000"/>
+              </a:srgbClr>
+            </a:outerShdw>
+          </a:effectLst>
+        </p:spPr>
+      </p:pic>
+      <p:sp>
+        <p:nvSpPr>
+          <p:cNvPr id="584" name="Google Shape;584;p40"/>
           <p:cNvSpPr txBox="1"/>
           <p:nvPr/>
         </p:nvSpPr>
@@ -30764,7 +31116,7 @@
       </p:sp>
       <p:sp>
         <p:nvSpPr>
-          <p:cNvPr id="575" name="Google Shape;575;p39"/>
+          <p:cNvPr id="585" name="Google Shape;585;p40"/>
           <p:cNvSpPr txBox="1"/>
           <p:nvPr>
             <p:ph idx="1" type="body"/>
@@ -30826,7 +31178,7 @@
       </p:sp>
       <p:sp>
         <p:nvSpPr>
-          <p:cNvPr id="576" name="Google Shape;576;p39"/>
+          <p:cNvPr id="586" name="Google Shape;586;p40"/>
           <p:cNvSpPr txBox="1"/>
           <p:nvPr/>
         </p:nvSpPr>
@@ -30899,7 +31251,7 @@
       </p:sp>
       <p:sp>
         <p:nvSpPr>
-          <p:cNvPr id="577" name="Google Shape;577;p39"/>
+          <p:cNvPr id="587" name="Google Shape;587;p40"/>
           <p:cNvSpPr txBox="1"/>
           <p:nvPr>
             <p:ph idx="1" type="body"/>
@@ -30998,7 +31350,7 @@
                                           </p:stCondLst>
                                         </p:cTn>
                                         <p:tgtEl>
-                                          <p:spTgt spid="574"/>
+                                          <p:spTgt spid="584"/>
                                         </p:tgtEl>
                                         <p:attrNameLst>
                                           <p:attrName>style.visibility</p:attrName>
@@ -31012,7 +31364,7 @@
                                       <p:cBhvr>
                                         <p:cTn dur="1000"/>
                                         <p:tgtEl>
-                                          <p:spTgt spid="574"/>
+                                          <p:spTgt spid="584"/>
                                         </p:tgtEl>
                                       </p:cBhvr>
                                     </p:animEffect>
@@ -31033,7 +31385,7 @@
                                           </p:stCondLst>
                                         </p:cTn>
                                         <p:tgtEl>
-                                          <p:spTgt spid="575"/>
+                                          <p:spTgt spid="585"/>
                                         </p:tgtEl>
                                         <p:attrNameLst>
                                           <p:attrName>style.visibility</p:attrName>
@@ -31047,7 +31399,7 @@
                                       <p:cBhvr>
                                         <p:cTn dur="1000"/>
                                         <p:tgtEl>
-                                          <p:spTgt spid="575"/>
+                                          <p:spTgt spid="585"/>
                                         </p:tgtEl>
                                       </p:cBhvr>
                                     </p:animEffect>
@@ -31086,7 +31438,7 @@
                                           </p:stCondLst>
                                         </p:cTn>
                                         <p:tgtEl>
-                                          <p:spTgt spid="576"/>
+                                          <p:spTgt spid="586"/>
                                         </p:tgtEl>
                                         <p:attrNameLst>
                                           <p:attrName>style.visibility</p:attrName>
@@ -31100,7 +31452,7 @@
                                       <p:cBhvr>
                                         <p:cTn dur="1000"/>
                                         <p:tgtEl>
-                                          <p:spTgt spid="576"/>
+                                          <p:spTgt spid="586"/>
                                         </p:tgtEl>
                                       </p:cBhvr>
                                     </p:animEffect>
@@ -31121,7 +31473,7 @@
                                           </p:stCondLst>
                                         </p:cTn>
                                         <p:tgtEl>
-                                          <p:spTgt spid="577"/>
+                                          <p:spTgt spid="587"/>
                                         </p:tgtEl>
                                         <p:attrNameLst>
                                           <p:attrName>style.visibility</p:attrName>
@@ -31135,7 +31487,7 @@
                                       <p:cBhvr>
                                         <p:cTn dur="1000"/>
                                         <p:tgtEl>
-                                          <p:spTgt spid="577"/>
+                                          <p:spTgt spid="587"/>
                                         </p:tgtEl>
                                       </p:cBhvr>
                                     </p:animEffect>
@@ -31173,7 +31525,7 @@
 </p:sld>
 </file>
 
-<file path=ppt/slides/slide28.xml><?xml version="1.0" encoding="utf-8"?>
+<file path=ppt/slides/slide29.xml><?xml version="1.0" encoding="utf-8"?>
 <p:sld xmlns:a="http://schemas.openxmlformats.org/drawingml/2006/main" xmlns:r="http://schemas.openxmlformats.org/officeDocument/2006/relationships" xmlns:mc="http://schemas.openxmlformats.org/markup-compatibility/2006" xmlns:mv="urn:schemas-microsoft-com:mac:vml" xmlns:p="http://schemas.openxmlformats.org/presentationml/2006/main" xmlns:c="http://schemas.openxmlformats.org/drawingml/2006/chart" xmlns:dgm="http://schemas.openxmlformats.org/drawingml/2006/diagram" xmlns:o="urn:schemas-microsoft-com:office:office" xmlns:v="urn:schemas-microsoft-com:vml" xmlns:pvml="urn:schemas-microsoft-com:office:powerpoint" xmlns:com="http://schemas.openxmlformats.org/drawingml/2006/compatibility" xmlns:p14="http://schemas.microsoft.com/office/powerpoint/2010/main" xmlns:p15="http://schemas.microsoft.com/office/powerpoint/2012/main" xmlns:ahyp="http://schemas.microsoft.com/office/drawing/2018/hyperlinkcolor">
   <p:cSld>
     <p:bg>
@@ -31185,7 +31537,7 @@
     </p:bg>
     <p:spTree>
       <p:nvGrpSpPr>
-        <p:cNvPr id="581" name="Shape 581"/>
+        <p:cNvPr id="591" name="Shape 591"/>
         <p:cNvGrpSpPr/>
         <p:nvPr/>
       </p:nvGrpSpPr>
@@ -31199,7 +31551,7 @@
       </p:grpSpPr>
       <p:sp>
         <p:nvSpPr>
-          <p:cNvPr id="582" name="Google Shape;582;p40"/>
+          <p:cNvPr id="592" name="Google Shape;592;p41"/>
           <p:cNvSpPr txBox="1"/>
           <p:nvPr/>
         </p:nvSpPr>
@@ -31301,7 +31653,7 @@
                                           </p:stCondLst>
                                         </p:cTn>
                                         <p:tgtEl>
-                                          <p:spTgt spid="582"/>
+                                          <p:spTgt spid="592"/>
                                         </p:tgtEl>
                                         <p:attrNameLst>
                                           <p:attrName>style.visibility</p:attrName>
@@ -31315,7 +31667,7 @@
                                       <p:cBhvr additive="base">
                                         <p:cTn dur="1000"/>
                                         <p:tgtEl>
-                                          <p:spTgt spid="582"/>
+                                          <p:spTgt spid="592"/>
                                         </p:tgtEl>
                                         <p:attrNameLst>
                                           <p:attrName>ppt_w</p:attrName>
@@ -31338,7 +31690,7 @@
                                       <p:cBhvr additive="base">
                                         <p:cTn dur="1000"/>
                                         <p:tgtEl>
-                                          <p:spTgt spid="582"/>
+                                          <p:spTgt spid="592"/>
                                         </p:tgtEl>
                                         <p:attrNameLst>
                                           <p:attrName>ppt_h</p:attrName>
@@ -31388,7 +31740,7 @@
                                       <p:cBhvr additive="base">
                                         <p:cTn dur="1000"/>
                                         <p:tgtEl>
-                                          <p:spTgt spid="582"/>
+                                          <p:spTgt spid="592"/>
                                         </p:tgtEl>
                                         <p:attrNameLst>
                                           <p:attrName>ppt_w</p:attrName>
@@ -31411,7 +31763,7 @@
                                       <p:cBhvr additive="base">
                                         <p:cTn dur="1000"/>
                                         <p:tgtEl>
-                                          <p:spTgt spid="582"/>
+                                          <p:spTgt spid="592"/>
                                         </p:tgtEl>
                                         <p:attrNameLst>
                                           <p:attrName>ppt_h</p:attrName>
@@ -31438,7 +31790,7 @@
                                           </p:stCondLst>
                                         </p:cTn>
                                         <p:tgtEl>
-                                          <p:spTgt spid="582"/>
+                                          <p:spTgt spid="592"/>
                                         </p:tgtEl>
                                         <p:attrNameLst>
                                           <p:attrName>style.visibility</p:attrName>
@@ -36224,6 +36576,285 @@
 </file>
 
 <file path=ppt/theme/theme1.xml><?xml version="1.0" encoding="utf-8"?>
+<a:theme xmlns:a="http://schemas.openxmlformats.org/drawingml/2006/main" xmlns:r="http://schemas.openxmlformats.org/officeDocument/2006/relationships" name="Momentum">
+  <a:themeElements>
+    <a:clrScheme name="Momentum">
+      <a:dk1>
+        <a:srgbClr val="C0791B"/>
+      </a:dk1>
+      <a:lt1>
+        <a:srgbClr val="FFFFFF"/>
+      </a:lt1>
+      <a:dk2>
+        <a:srgbClr val="424242"/>
+      </a:dk2>
+      <a:lt2>
+        <a:srgbClr val="8DD8D3"/>
+      </a:lt2>
+      <a:accent1>
+        <a:srgbClr val="0B6374"/>
+      </a:accent1>
+      <a:accent2>
+        <a:srgbClr val="FD5B58"/>
+      </a:accent2>
+      <a:accent3>
+        <a:srgbClr val="599191"/>
+      </a:accent3>
+      <a:accent4>
+        <a:srgbClr val="D7E6A3"/>
+      </a:accent4>
+      <a:accent5>
+        <a:srgbClr val="27278B"/>
+      </a:accent5>
+      <a:accent6>
+        <a:srgbClr val="D558AB"/>
+      </a:accent6>
+      <a:hlink>
+        <a:srgbClr val="27278B"/>
+      </a:hlink>
+      <a:folHlink>
+        <a:srgbClr val="27278B"/>
+      </a:folHlink>
+    </a:clrScheme>
+    <a:fontScheme name="Office">
+      <a:majorFont>
+        <a:latin typeface="Arial"/>
+        <a:ea typeface=""/>
+        <a:cs typeface=""/>
+        <a:font script="Jpan" typeface="ＭＳ Ｐゴシック"/>
+        <a:font script="Hang" typeface="맑은 고딕"/>
+        <a:font script="Hans" typeface="宋体"/>
+        <a:font script="Hant" typeface="新細明體"/>
+        <a:font script="Arab" typeface="Times New Roman"/>
+        <a:font script="Hebr" typeface="Times New Roman"/>
+        <a:font script="Thai" typeface="Angsana New"/>
+        <a:font script="Ethi" typeface="Nyala"/>
+        <a:font script="Beng" typeface="Vrinda"/>
+        <a:font script="Gujr" typeface="Shruti"/>
+        <a:font script="Khmr" typeface="MoolBoran"/>
+        <a:font script="Knda" typeface="Tunga"/>
+        <a:font script="Guru" typeface="Raavi"/>
+        <a:font script="Cans" typeface="Euphemia"/>
+        <a:font script="Cher" typeface="Plantagenet Cherokee"/>
+        <a:font script="Yiii" typeface="Microsoft Yi Baiti"/>
+        <a:font script="Tibt" typeface="Microsoft Himalaya"/>
+        <a:font script="Thaa" typeface="MV Boli"/>
+        <a:font script="Deva" typeface="Mangal"/>
+        <a:font script="Telu" typeface="Gautami"/>
+        <a:font script="Taml" typeface="Latha"/>
+        <a:font script="Syrc" typeface="Estrangelo Edessa"/>
+        <a:font script="Orya" typeface="Kalinga"/>
+        <a:font script="Mlym" typeface="Kartika"/>
+        <a:font script="Laoo" typeface="DokChampa"/>
+        <a:font script="Sinh" typeface="Iskoola Pota"/>
+        <a:font script="Mong" typeface="Mongolian Baiti"/>
+        <a:font script="Viet" typeface="Times New Roman"/>
+        <a:font script="Uigh" typeface="Microsoft Uighur"/>
+        <a:font script="Geor" typeface="Sylfaen"/>
+      </a:majorFont>
+      <a:minorFont>
+        <a:latin typeface="Arial"/>
+        <a:ea typeface=""/>
+        <a:cs typeface=""/>
+        <a:font script="Jpan" typeface="ＭＳ Ｐゴシック"/>
+        <a:font script="Hang" typeface="맑은 고딕"/>
+        <a:font script="Hans" typeface="宋体"/>
+        <a:font script="Hant" typeface="新細明體"/>
+        <a:font script="Arab" typeface="Arial"/>
+        <a:font script="Hebr" typeface="Arial"/>
+        <a:font script="Thai" typeface="Cordia New"/>
+        <a:font script="Ethi" typeface="Nyala"/>
+        <a:font script="Beng" typeface="Vrinda"/>
+        <a:font script="Gujr" typeface="Shruti"/>
+        <a:font script="Khmr" typeface="DaunPenh"/>
+        <a:font script="Knda" typeface="Tunga"/>
+        <a:font script="Guru" typeface="Raavi"/>
+        <a:font script="Cans" typeface="Euphemia"/>
+        <a:font script="Cher" typeface="Plantagenet Cherokee"/>
+        <a:font script="Yiii" typeface="Microsoft Yi Baiti"/>
+        <a:font script="Tibt" typeface="Microsoft Himalaya"/>
+        <a:font script="Thaa" typeface="MV Boli"/>
+        <a:font script="Deva" typeface="Mangal"/>
+        <a:font script="Telu" typeface="Gautami"/>
+        <a:font script="Taml" typeface="Latha"/>
+        <a:font script="Syrc" typeface="Estrangelo Edessa"/>
+        <a:font script="Orya" typeface="Kalinga"/>
+        <a:font script="Mlym" typeface="Kartika"/>
+        <a:font script="Laoo" typeface="DokChampa"/>
+        <a:font script="Sinh" typeface="Iskoola Pota"/>
+        <a:font script="Mong" typeface="Mongolian Baiti"/>
+        <a:font script="Viet" typeface="Arial"/>
+        <a:font script="Uigh" typeface="Microsoft Uighur"/>
+        <a:font script="Geor" typeface="Sylfaen"/>
+      </a:minorFont>
+    </a:fontScheme>
+    <a:fmtScheme name="Office">
+      <a:fillStyleLst>
+        <a:solidFill>
+          <a:schemeClr val="phClr"/>
+        </a:solidFill>
+        <a:gradFill rotWithShape="1">
+          <a:gsLst>
+            <a:gs pos="0">
+              <a:schemeClr val="phClr">
+                <a:tint val="50000"/>
+                <a:satMod val="300000"/>
+              </a:schemeClr>
+            </a:gs>
+            <a:gs pos="35000">
+              <a:schemeClr val="phClr">
+                <a:tint val="37000"/>
+                <a:satMod val="300000"/>
+              </a:schemeClr>
+            </a:gs>
+            <a:gs pos="100000">
+              <a:schemeClr val="phClr">
+                <a:tint val="15000"/>
+                <a:satMod val="350000"/>
+              </a:schemeClr>
+            </a:gs>
+          </a:gsLst>
+          <a:lin ang="16200000" scaled="1"/>
+        </a:gradFill>
+        <a:gradFill rotWithShape="1">
+          <a:gsLst>
+            <a:gs pos="0">
+              <a:schemeClr val="phClr">
+                <a:tint val="100000"/>
+                <a:shade val="100000"/>
+                <a:satMod val="130000"/>
+              </a:schemeClr>
+            </a:gs>
+            <a:gs pos="100000">
+              <a:schemeClr val="phClr">
+                <a:tint val="50000"/>
+                <a:shade val="100000"/>
+                <a:satMod val="350000"/>
+              </a:schemeClr>
+            </a:gs>
+          </a:gsLst>
+          <a:lin ang="16200000" scaled="0"/>
+        </a:gradFill>
+      </a:fillStyleLst>
+      <a:lnStyleLst>
+        <a:ln w="9525" cap="flat" cmpd="sng" algn="ctr">
+          <a:solidFill>
+            <a:schemeClr val="phClr">
+              <a:shade val="95000"/>
+              <a:satMod val="105000"/>
+            </a:schemeClr>
+          </a:solidFill>
+          <a:prstDash val="solid"/>
+        </a:ln>
+        <a:ln w="25400" cap="flat" cmpd="sng" algn="ctr">
+          <a:solidFill>
+            <a:schemeClr val="phClr"/>
+          </a:solidFill>
+          <a:prstDash val="solid"/>
+        </a:ln>
+        <a:ln w="38100" cap="flat" cmpd="sng" algn="ctr">
+          <a:solidFill>
+            <a:schemeClr val="phClr"/>
+          </a:solidFill>
+          <a:prstDash val="solid"/>
+        </a:ln>
+      </a:lnStyleLst>
+      <a:effectStyleLst>
+        <a:effectStyle>
+          <a:effectLst>
+            <a:outerShdw blurRad="40000" dist="20000" dir="5400000" rotWithShape="0">
+              <a:srgbClr val="000000">
+                <a:alpha val="38000"/>
+              </a:srgbClr>
+            </a:outerShdw>
+          </a:effectLst>
+        </a:effectStyle>
+        <a:effectStyle>
+          <a:effectLst>
+            <a:outerShdw blurRad="40000" dist="23000" dir="5400000" rotWithShape="0">
+              <a:srgbClr val="000000">
+                <a:alpha val="35000"/>
+              </a:srgbClr>
+            </a:outerShdw>
+          </a:effectLst>
+        </a:effectStyle>
+        <a:effectStyle>
+          <a:effectLst>
+            <a:outerShdw blurRad="40000" dist="23000" dir="5400000" rotWithShape="0">
+              <a:srgbClr val="000000">
+                <a:alpha val="35000"/>
+              </a:srgbClr>
+            </a:outerShdw>
+          </a:effectLst>
+          <a:scene3d>
+            <a:camera prst="orthographicFront">
+              <a:rot lat="0" lon="0" rev="0"/>
+            </a:camera>
+            <a:lightRig rig="threePt" dir="t">
+              <a:rot lat="0" lon="0" rev="1200000"/>
+            </a:lightRig>
+          </a:scene3d>
+          <a:sp3d>
+            <a:bevelT w="63500" h="25400"/>
+          </a:sp3d>
+        </a:effectStyle>
+      </a:effectStyleLst>
+      <a:bgFillStyleLst>
+        <a:solidFill>
+          <a:schemeClr val="phClr"/>
+        </a:solidFill>
+        <a:gradFill rotWithShape="1">
+          <a:gsLst>
+            <a:gs pos="0">
+              <a:schemeClr val="phClr">
+                <a:tint val="40000"/>
+                <a:satMod val="350000"/>
+              </a:schemeClr>
+            </a:gs>
+            <a:gs pos="40000">
+              <a:schemeClr val="phClr">
+                <a:tint val="45000"/>
+                <a:shade val="99000"/>
+                <a:satMod val="350000"/>
+              </a:schemeClr>
+            </a:gs>
+            <a:gs pos="100000">
+              <a:schemeClr val="phClr">
+                <a:shade val="20000"/>
+                <a:satMod val="255000"/>
+              </a:schemeClr>
+            </a:gs>
+          </a:gsLst>
+          <a:path path="circle">
+            <a:fillToRect l="50000" t="-80000" r="50000" b="180000"/>
+          </a:path>
+        </a:gradFill>
+        <a:gradFill rotWithShape="1">
+          <a:gsLst>
+            <a:gs pos="0">
+              <a:schemeClr val="phClr">
+                <a:tint val="80000"/>
+                <a:satMod val="300000"/>
+              </a:schemeClr>
+            </a:gs>
+            <a:gs pos="100000">
+              <a:schemeClr val="phClr">
+                <a:shade val="30000"/>
+                <a:satMod val="200000"/>
+              </a:schemeClr>
+            </a:gs>
+          </a:gsLst>
+          <a:path path="circle">
+            <a:fillToRect l="50000" t="50000" r="50000" b="50000"/>
+          </a:path>
+        </a:gradFill>
+      </a:bgFillStyleLst>
+    </a:fmtScheme>
+  </a:themeElements>
+</a:theme>
+</file>
+
+<file path=ppt/theme/theme2.xml><?xml version="1.0" encoding="utf-8"?>
 <a:theme xmlns:a="http://schemas.openxmlformats.org/drawingml/2006/main" xmlns:r="http://schemas.openxmlformats.org/officeDocument/2006/relationships">
   <a:themeElements>
     <a:clrScheme name="Default">
@@ -36500,283 +37131,4 @@
     </a:fmtScheme>
   </a:themeElements>
 </a:theme>
-</file>
-
-<file path=ppt/theme/theme2.xml><?xml version="1.0" encoding="utf-8"?>
-<a:theme xmlns:a="http://schemas.openxmlformats.org/drawingml/2006/main" xmlns:r="http://schemas.openxmlformats.org/officeDocument/2006/relationships" name="Momentum">
-  <a:themeElements>
-    <a:clrScheme name="Momentum">
-      <a:dk1>
-        <a:srgbClr val="C0791B"/>
-      </a:dk1>
-      <a:lt1>
-        <a:srgbClr val="FFFFFF"/>
-      </a:lt1>
-      <a:dk2>
-        <a:srgbClr val="424242"/>
-      </a:dk2>
-      <a:lt2>
-        <a:srgbClr val="8DD8D3"/>
-      </a:lt2>
-      <a:accent1>
-        <a:srgbClr val="0B6374"/>
-      </a:accent1>
-      <a:accent2>
-        <a:srgbClr val="FD5B58"/>
-      </a:accent2>
-      <a:accent3>
-        <a:srgbClr val="599191"/>
-      </a:accent3>
-      <a:accent4>
-        <a:srgbClr val="D7E6A3"/>
-      </a:accent4>
-      <a:accent5>
-        <a:srgbClr val="27278B"/>
-      </a:accent5>
-      <a:accent6>
-        <a:srgbClr val="D558AB"/>
-      </a:accent6>
-      <a:hlink>
-        <a:srgbClr val="27278B"/>
-      </a:hlink>
-      <a:folHlink>
-        <a:srgbClr val="27278B"/>
-      </a:folHlink>
-    </a:clrScheme>
-    <a:fontScheme name="Office">
-      <a:majorFont>
-        <a:latin typeface="Arial"/>
-        <a:ea typeface=""/>
-        <a:cs typeface=""/>
-        <a:font script="Jpan" typeface="ＭＳ Ｐゴシック"/>
-        <a:font script="Hang" typeface="맑은 고딕"/>
-        <a:font script="Hans" typeface="宋体"/>
-        <a:font script="Hant" typeface="新細明體"/>
-        <a:font script="Arab" typeface="Times New Roman"/>
-        <a:font script="Hebr" typeface="Times New Roman"/>
-        <a:font script="Thai" typeface="Angsana New"/>
-        <a:font script="Ethi" typeface="Nyala"/>
-        <a:font script="Beng" typeface="Vrinda"/>
-        <a:font script="Gujr" typeface="Shruti"/>
-        <a:font script="Khmr" typeface="MoolBoran"/>
-        <a:font script="Knda" typeface="Tunga"/>
-        <a:font script="Guru" typeface="Raavi"/>
-        <a:font script="Cans" typeface="Euphemia"/>
-        <a:font script="Cher" typeface="Plantagenet Cherokee"/>
-        <a:font script="Yiii" typeface="Microsoft Yi Baiti"/>
-        <a:font script="Tibt" typeface="Microsoft Himalaya"/>
-        <a:font script="Thaa" typeface="MV Boli"/>
-        <a:font script="Deva" typeface="Mangal"/>
-        <a:font script="Telu" typeface="Gautami"/>
-        <a:font script="Taml" typeface="Latha"/>
-        <a:font script="Syrc" typeface="Estrangelo Edessa"/>
-        <a:font script="Orya" typeface="Kalinga"/>
-        <a:font script="Mlym" typeface="Kartika"/>
-        <a:font script="Laoo" typeface="DokChampa"/>
-        <a:font script="Sinh" typeface="Iskoola Pota"/>
-        <a:font script="Mong" typeface="Mongolian Baiti"/>
-        <a:font script="Viet" typeface="Times New Roman"/>
-        <a:font script="Uigh" typeface="Microsoft Uighur"/>
-        <a:font script="Geor" typeface="Sylfaen"/>
-      </a:majorFont>
-      <a:minorFont>
-        <a:latin typeface="Arial"/>
-        <a:ea typeface=""/>
-        <a:cs typeface=""/>
-        <a:font script="Jpan" typeface="ＭＳ Ｐゴシック"/>
-        <a:font script="Hang" typeface="맑은 고딕"/>
-        <a:font script="Hans" typeface="宋体"/>
-        <a:font script="Hant" typeface="新細明體"/>
-        <a:font script="Arab" typeface="Arial"/>
-        <a:font script="Hebr" typeface="Arial"/>
-        <a:font script="Thai" typeface="Cordia New"/>
-        <a:font script="Ethi" typeface="Nyala"/>
-        <a:font script="Beng" typeface="Vrinda"/>
-        <a:font script="Gujr" typeface="Shruti"/>
-        <a:font script="Khmr" typeface="DaunPenh"/>
-        <a:font script="Knda" typeface="Tunga"/>
-        <a:font script="Guru" typeface="Raavi"/>
-        <a:font script="Cans" typeface="Euphemia"/>
-        <a:font script="Cher" typeface="Plantagenet Cherokee"/>
-        <a:font script="Yiii" typeface="Microsoft Yi Baiti"/>
-        <a:font script="Tibt" typeface="Microsoft Himalaya"/>
-        <a:font script="Thaa" typeface="MV Boli"/>
-        <a:font script="Deva" typeface="Mangal"/>
-        <a:font script="Telu" typeface="Gautami"/>
-        <a:font script="Taml" typeface="Latha"/>
-        <a:font script="Syrc" typeface="Estrangelo Edessa"/>
-        <a:font script="Orya" typeface="Kalinga"/>
-        <a:font script="Mlym" typeface="Kartika"/>
-        <a:font script="Laoo" typeface="DokChampa"/>
-        <a:font script="Sinh" typeface="Iskoola Pota"/>
-        <a:font script="Mong" typeface="Mongolian Baiti"/>
-        <a:font script="Viet" typeface="Arial"/>
-        <a:font script="Uigh" typeface="Microsoft Uighur"/>
-        <a:font script="Geor" typeface="Sylfaen"/>
-      </a:minorFont>
-    </a:fontScheme>
-    <a:fmtScheme name="Office">
-      <a:fillStyleLst>
-        <a:solidFill>
-          <a:schemeClr val="phClr"/>
-        </a:solidFill>
-        <a:gradFill rotWithShape="1">
-          <a:gsLst>
-            <a:gs pos="0">
-              <a:schemeClr val="phClr">
-                <a:tint val="50000"/>
-                <a:satMod val="300000"/>
-              </a:schemeClr>
-            </a:gs>
-            <a:gs pos="35000">
-              <a:schemeClr val="phClr">
-                <a:tint val="37000"/>
-                <a:satMod val="300000"/>
-              </a:schemeClr>
-            </a:gs>
-            <a:gs pos="100000">
-              <a:schemeClr val="phClr">
-                <a:tint val="15000"/>
-                <a:satMod val="350000"/>
-              </a:schemeClr>
-            </a:gs>
-          </a:gsLst>
-          <a:lin ang="16200000" scaled="1"/>
-        </a:gradFill>
-        <a:gradFill rotWithShape="1">
-          <a:gsLst>
-            <a:gs pos="0">
-              <a:schemeClr val="phClr">
-                <a:tint val="100000"/>
-                <a:shade val="100000"/>
-                <a:satMod val="130000"/>
-              </a:schemeClr>
-            </a:gs>
-            <a:gs pos="100000">
-              <a:schemeClr val="phClr">
-                <a:tint val="50000"/>
-                <a:shade val="100000"/>
-                <a:satMod val="350000"/>
-              </a:schemeClr>
-            </a:gs>
-          </a:gsLst>
-          <a:lin ang="16200000" scaled="0"/>
-        </a:gradFill>
-      </a:fillStyleLst>
-      <a:lnStyleLst>
-        <a:ln w="9525" cap="flat" cmpd="sng" algn="ctr">
-          <a:solidFill>
-            <a:schemeClr val="phClr">
-              <a:shade val="95000"/>
-              <a:satMod val="105000"/>
-            </a:schemeClr>
-          </a:solidFill>
-          <a:prstDash val="solid"/>
-        </a:ln>
-        <a:ln w="25400" cap="flat" cmpd="sng" algn="ctr">
-          <a:solidFill>
-            <a:schemeClr val="phClr"/>
-          </a:solidFill>
-          <a:prstDash val="solid"/>
-        </a:ln>
-        <a:ln w="38100" cap="flat" cmpd="sng" algn="ctr">
-          <a:solidFill>
-            <a:schemeClr val="phClr"/>
-          </a:solidFill>
-          <a:prstDash val="solid"/>
-        </a:ln>
-      </a:lnStyleLst>
-      <a:effectStyleLst>
-        <a:effectStyle>
-          <a:effectLst>
-            <a:outerShdw blurRad="40000" dist="20000" dir="5400000" rotWithShape="0">
-              <a:srgbClr val="000000">
-                <a:alpha val="38000"/>
-              </a:srgbClr>
-            </a:outerShdw>
-          </a:effectLst>
-        </a:effectStyle>
-        <a:effectStyle>
-          <a:effectLst>
-            <a:outerShdw blurRad="40000" dist="23000" dir="5400000" rotWithShape="0">
-              <a:srgbClr val="000000">
-                <a:alpha val="35000"/>
-              </a:srgbClr>
-            </a:outerShdw>
-          </a:effectLst>
-        </a:effectStyle>
-        <a:effectStyle>
-          <a:effectLst>
-            <a:outerShdw blurRad="40000" dist="23000" dir="5400000" rotWithShape="0">
-              <a:srgbClr val="000000">
-                <a:alpha val="35000"/>
-              </a:srgbClr>
-            </a:outerShdw>
-          </a:effectLst>
-          <a:scene3d>
-            <a:camera prst="orthographicFront">
-              <a:rot lat="0" lon="0" rev="0"/>
-            </a:camera>
-            <a:lightRig rig="threePt" dir="t">
-              <a:rot lat="0" lon="0" rev="1200000"/>
-            </a:lightRig>
-          </a:scene3d>
-          <a:sp3d>
-            <a:bevelT w="63500" h="25400"/>
-          </a:sp3d>
-        </a:effectStyle>
-      </a:effectStyleLst>
-      <a:bgFillStyleLst>
-        <a:solidFill>
-          <a:schemeClr val="phClr"/>
-        </a:solidFill>
-        <a:gradFill rotWithShape="1">
-          <a:gsLst>
-            <a:gs pos="0">
-              <a:schemeClr val="phClr">
-                <a:tint val="40000"/>
-                <a:satMod val="350000"/>
-              </a:schemeClr>
-            </a:gs>
-            <a:gs pos="40000">
-              <a:schemeClr val="phClr">
-                <a:tint val="45000"/>
-                <a:shade val="99000"/>
-                <a:satMod val="350000"/>
-              </a:schemeClr>
-            </a:gs>
-            <a:gs pos="100000">
-              <a:schemeClr val="phClr">
-                <a:shade val="20000"/>
-                <a:satMod val="255000"/>
-              </a:schemeClr>
-            </a:gs>
-          </a:gsLst>
-          <a:path path="circle">
-            <a:fillToRect l="50000" t="-80000" r="50000" b="180000"/>
-          </a:path>
-        </a:gradFill>
-        <a:gradFill rotWithShape="1">
-          <a:gsLst>
-            <a:gs pos="0">
-              <a:schemeClr val="phClr">
-                <a:tint val="80000"/>
-                <a:satMod val="300000"/>
-              </a:schemeClr>
-            </a:gs>
-            <a:gs pos="100000">
-              <a:schemeClr val="phClr">
-                <a:shade val="30000"/>
-                <a:satMod val="200000"/>
-              </a:schemeClr>
-            </a:gs>
-          </a:gsLst>
-          <a:path path="circle">
-            <a:fillToRect l="50000" t="50000" r="50000" b="50000"/>
-          </a:path>
-        </a:gradFill>
-      </a:bgFillStyleLst>
-    </a:fmtScheme>
-  </a:themeElements>
-</a:theme>
 </file>